--- a/NLQA.pptx
+++ b/NLQA.pptx
@@ -5,10 +5,10 @@
     <p:sldMasterId id="2147484239" r:id="rId4"/>
   </p:sldMasterIdLst>
   <p:notesMasterIdLst>
-    <p:notesMasterId r:id="rId12"/>
+    <p:notesMasterId r:id="rId13"/>
   </p:notesMasterIdLst>
   <p:handoutMasterIdLst>
-    <p:handoutMasterId r:id="rId13"/>
+    <p:handoutMasterId r:id="rId14"/>
   </p:handoutMasterIdLst>
   <p:sldIdLst>
     <p:sldId id="347" r:id="rId5"/>
@@ -17,7 +17,8 @@
     <p:sldId id="578" r:id="rId8"/>
     <p:sldId id="799" r:id="rId9"/>
     <p:sldId id="800" r:id="rId10"/>
-    <p:sldId id="788" r:id="rId11"/>
+    <p:sldId id="803" r:id="rId11"/>
+    <p:sldId id="788" r:id="rId12"/>
   </p:sldIdLst>
   <p:sldSz cx="9144000" cy="6858000" type="screen4x3"/>
   <p:notesSz cx="6858000" cy="9144000"/>
@@ -2775,7 +2776,7 @@
           <a:p>
             <a:fld id="{EFD589AF-9D54-4882-93EC-47B47D771F3D}" type="datetimeFigureOut">
               <a:rPr lang="en-US" smtClean="0"/>
-              <a:t>2/1/2018</a:t>
+              <a:t>2/2/2018</a:t>
             </a:fld>
             <a:endParaRPr lang="en-US"/>
           </a:p>
@@ -4203,84 +4204,116 @@
       </p:sp>
       <p:graphicFrame>
         <p:nvGraphicFramePr>
-          <p:cNvPr id="4" name="Table 3"/>
+          <p:cNvPr id="5" name="Table 4"/>
           <p:cNvGraphicFramePr>
             <a:graphicFrameLocks noGrp="1"/>
           </p:cNvGraphicFramePr>
           <p:nvPr>
             <p:extLst>
               <p:ext uri="{D42A27DB-BD31-4B8C-83A1-F6EECF244321}">
-                <p14:modId xmlns:p14="http://schemas.microsoft.com/office/powerpoint/2010/main" val="1482931565"/>
+                <p14:modId xmlns:p14="http://schemas.microsoft.com/office/powerpoint/2010/main" val="2611487069"/>
               </p:ext>
             </p:extLst>
           </p:nvPr>
         </p:nvGraphicFramePr>
         <p:xfrm>
-          <a:off x="611560" y="1156692"/>
-          <a:ext cx="8280921" cy="4576563"/>
+          <a:off x="607444" y="1340768"/>
+          <a:ext cx="7636964" cy="4248472"/>
         </p:xfrm>
         <a:graphic>
           <a:graphicData uri="http://schemas.openxmlformats.org/drawingml/2006/table">
             <a:tbl>
-              <a:tblPr>
-                <a:tableStyleId>{5C22544A-7EE6-4342-B048-85BDC9FD1C3A}</a:tableStyleId>
-              </a:tblPr>
+              <a:tblPr/>
               <a:tblGrid>
-                <a:gridCol w="1957163">
+                <a:gridCol w="1804967">
                   <a:extLst>
                     <a:ext uri="{9D8B030D-6E8A-4147-A177-3AD203B41FA5}">
-                      <a16:colId xmlns:a16="http://schemas.microsoft.com/office/drawing/2014/main" val="135854878"/>
+                      <a16:colId xmlns:a16="http://schemas.microsoft.com/office/drawing/2014/main" val="3038890991"/>
                     </a:ext>
                   </a:extLst>
                 </a:gridCol>
-                <a:gridCol w="2545512">
+                <a:gridCol w="2347563">
                   <a:extLst>
                     <a:ext uri="{9D8B030D-6E8A-4147-A177-3AD203B41FA5}">
-                      <a16:colId xmlns:a16="http://schemas.microsoft.com/office/drawing/2014/main" val="945331844"/>
+                      <a16:colId xmlns:a16="http://schemas.microsoft.com/office/drawing/2014/main" val="681321549"/>
                     </a:ext>
                   </a:extLst>
                 </a:gridCol>
-                <a:gridCol w="1889123">
+                <a:gridCol w="1742217">
                   <a:extLst>
                     <a:ext uri="{9D8B030D-6E8A-4147-A177-3AD203B41FA5}">
-                      <a16:colId xmlns:a16="http://schemas.microsoft.com/office/drawing/2014/main" val="2162429908"/>
+                      <a16:colId xmlns:a16="http://schemas.microsoft.com/office/drawing/2014/main" val="2609582437"/>
                     </a:ext>
                   </a:extLst>
                 </a:gridCol>
-                <a:gridCol w="1889123">
+                <a:gridCol w="1742217">
                   <a:extLst>
                     <a:ext uri="{9D8B030D-6E8A-4147-A177-3AD203B41FA5}">
-                      <a16:colId xmlns:a16="http://schemas.microsoft.com/office/drawing/2014/main" val="121824353"/>
+                      <a16:colId xmlns:a16="http://schemas.microsoft.com/office/drawing/2014/main" val="2189508644"/>
                     </a:ext>
                   </a:extLst>
                 </a:gridCol>
               </a:tblGrid>
-              <a:tr h="435863">
+              <a:tr h="531059">
                 <a:tc>
                   <a:txBody>
                     <a:bodyPr/>
                     <a:lstStyle/>
                     <a:p>
-                      <a:pPr algn="ctr" fontAlgn="ctr"/>
+                      <a:pPr algn="l" fontAlgn="b"/>
                       <a:r>
-                        <a:rPr lang="en-US" sz="1100" b="1" u="none" strike="noStrike" dirty="0">
+                        <a:rPr lang="en-US" sz="1000" b="0" i="0" u="none" strike="noStrike">
                           <a:solidFill>
-                            <a:schemeClr val="tx2"/>
+                            <a:srgbClr val="000000"/>
                           </a:solidFill>
                           <a:effectLst/>
+                          <a:latin typeface="Calibri" panose="020F0502020204030204" pitchFamily="34" charset="0"/>
                         </a:rPr>
-                        <a:t>Question type handled</a:t>
+                        <a:t>Overall comparison between three approaches</a:t>
                       </a:r>
-                      <a:endParaRPr lang="en-US" sz="1100" b="1" i="0" u="none" strike="noStrike" dirty="0">
-                        <a:solidFill>
-                          <a:schemeClr val="tx2"/>
-                        </a:solidFill>
-                        <a:effectLst/>
-                        <a:latin typeface="Calibri" panose="020F0502020204030204" pitchFamily="34" charset="0"/>
-                      </a:endParaRPr>
                     </a:p>
                   </a:txBody>
-                  <a:tcPr marL="9525" marR="9525" marT="9525" marB="0" anchor="ctr"/>
+                  <a:tcPr marL="9065" marR="9065" marT="9065" marB="0" anchor="b">
+                    <a:lnL w="6350" cap="flat" cmpd="sng" algn="ctr">
+                      <a:solidFill>
+                        <a:srgbClr val="000000"/>
+                      </a:solidFill>
+                      <a:prstDash val="solid"/>
+                      <a:round/>
+                      <a:headEnd type="none" w="med" len="med"/>
+                      <a:tailEnd type="none" w="med" len="med"/>
+                    </a:lnL>
+                    <a:lnR w="6350" cap="flat" cmpd="sng" algn="ctr">
+                      <a:solidFill>
+                        <a:srgbClr val="000000"/>
+                      </a:solidFill>
+                      <a:prstDash val="solid"/>
+                      <a:round/>
+                      <a:headEnd type="none" w="med" len="med"/>
+                      <a:tailEnd type="none" w="med" len="med"/>
+                    </a:lnR>
+                    <a:lnT w="6350" cap="flat" cmpd="sng" algn="ctr">
+                      <a:solidFill>
+                        <a:srgbClr val="000000"/>
+                      </a:solidFill>
+                      <a:prstDash val="solid"/>
+                      <a:round/>
+                      <a:headEnd type="none" w="med" len="med"/>
+                      <a:tailEnd type="none" w="med" len="med"/>
+                    </a:lnT>
+                    <a:lnB w="6350" cap="flat" cmpd="sng" algn="ctr">
+                      <a:solidFill>
+                        <a:srgbClr val="000000"/>
+                      </a:solidFill>
+                      <a:prstDash val="solid"/>
+                      <a:round/>
+                      <a:headEnd type="none" w="med" len="med"/>
+                      <a:tailEnd type="none" w="med" len="med"/>
+                    </a:lnB>
+                    <a:solidFill>
+                      <a:srgbClr val="C6E0B4"/>
+                    </a:solidFill>
+                  </a:tcPr>
                 </a:tc>
                 <a:tc>
                   <a:txBody>
@@ -4289,24 +4322,58 @@
                     <a:p>
                       <a:pPr algn="ctr" fontAlgn="ctr"/>
                       <a:r>
-                        <a:rPr lang="en-US" sz="1100" u="none" strike="noStrike">
+                        <a:rPr lang="en-US" sz="1000" b="0" i="0" u="none" strike="noStrike">
                           <a:solidFill>
-                            <a:schemeClr val="tx2"/>
+                            <a:srgbClr val="000000"/>
                           </a:solidFill>
                           <a:effectLst/>
+                          <a:latin typeface="Calibri" panose="020F0502020204030204" pitchFamily="34" charset="0"/>
                         </a:rPr>
-                        <a:t>Factoid questions</a:t>
+                        <a:t>Linguistic</a:t>
                       </a:r>
-                      <a:endParaRPr lang="en-US" sz="1100" b="0" i="0" u="none" strike="noStrike">
-                        <a:solidFill>
-                          <a:schemeClr val="tx2"/>
-                        </a:solidFill>
-                        <a:effectLst/>
-                        <a:latin typeface="Calibri" panose="020F0502020204030204" pitchFamily="34" charset="0"/>
-                      </a:endParaRPr>
                     </a:p>
                   </a:txBody>
-                  <a:tcPr marL="9525" marR="9525" marT="9525" marB="0" anchor="ctr"/>
+                  <a:tcPr marL="9065" marR="9065" marT="9065" marB="0" anchor="ctr">
+                    <a:lnL w="6350" cap="flat" cmpd="sng" algn="ctr">
+                      <a:solidFill>
+                        <a:srgbClr val="000000"/>
+                      </a:solidFill>
+                      <a:prstDash val="solid"/>
+                      <a:round/>
+                      <a:headEnd type="none" w="med" len="med"/>
+                      <a:tailEnd type="none" w="med" len="med"/>
+                    </a:lnL>
+                    <a:lnR w="6350" cap="flat" cmpd="sng" algn="ctr">
+                      <a:solidFill>
+                        <a:srgbClr val="000000"/>
+                      </a:solidFill>
+                      <a:prstDash val="solid"/>
+                      <a:round/>
+                      <a:headEnd type="none" w="med" len="med"/>
+                      <a:tailEnd type="none" w="med" len="med"/>
+                    </a:lnR>
+                    <a:lnT w="6350" cap="flat" cmpd="sng" algn="ctr">
+                      <a:solidFill>
+                        <a:srgbClr val="000000"/>
+                      </a:solidFill>
+                      <a:prstDash val="solid"/>
+                      <a:round/>
+                      <a:headEnd type="none" w="med" len="med"/>
+                      <a:tailEnd type="none" w="med" len="med"/>
+                    </a:lnT>
+                    <a:lnB w="6350" cap="flat" cmpd="sng" algn="ctr">
+                      <a:solidFill>
+                        <a:srgbClr val="000000"/>
+                      </a:solidFill>
+                      <a:prstDash val="solid"/>
+                      <a:round/>
+                      <a:headEnd type="none" w="med" len="med"/>
+                      <a:tailEnd type="none" w="med" len="med"/>
+                    </a:lnB>
+                    <a:solidFill>
+                      <a:srgbClr val="C6E0B4"/>
+                    </a:solidFill>
+                  </a:tcPr>
                 </a:tc>
                 <a:tc>
                   <a:txBody>
@@ -4315,24 +4382,58 @@
                     <a:p>
                       <a:pPr algn="ctr" fontAlgn="ctr"/>
                       <a:r>
-                        <a:rPr lang="en-US" sz="1100" u="none" strike="noStrike">
+                        <a:rPr lang="en-US" sz="1000" b="0" i="0" u="none" strike="noStrike">
                           <a:solidFill>
-                            <a:schemeClr val="tx2"/>
+                            <a:srgbClr val="000000"/>
                           </a:solidFill>
                           <a:effectLst/>
+                          <a:latin typeface="Calibri" panose="020F0502020204030204" pitchFamily="34" charset="0"/>
                         </a:rPr>
-                        <a:t>Complex non-factoid along with factoids</a:t>
+                        <a:t>Statistical</a:t>
                       </a:r>
-                      <a:endParaRPr lang="en-US" sz="1100" b="0" i="0" u="none" strike="noStrike">
-                        <a:solidFill>
-                          <a:schemeClr val="tx2"/>
-                        </a:solidFill>
-                        <a:effectLst/>
-                        <a:latin typeface="Calibri" panose="020F0502020204030204" pitchFamily="34" charset="0"/>
-                      </a:endParaRPr>
                     </a:p>
                   </a:txBody>
-                  <a:tcPr marL="9525" marR="9525" marT="9525" marB="0" anchor="ctr"/>
+                  <a:tcPr marL="9065" marR="9065" marT="9065" marB="0" anchor="ctr">
+                    <a:lnL w="6350" cap="flat" cmpd="sng" algn="ctr">
+                      <a:solidFill>
+                        <a:srgbClr val="000000"/>
+                      </a:solidFill>
+                      <a:prstDash val="solid"/>
+                      <a:round/>
+                      <a:headEnd type="none" w="med" len="med"/>
+                      <a:tailEnd type="none" w="med" len="med"/>
+                    </a:lnL>
+                    <a:lnR w="6350" cap="flat" cmpd="sng" algn="ctr">
+                      <a:solidFill>
+                        <a:srgbClr val="000000"/>
+                      </a:solidFill>
+                      <a:prstDash val="solid"/>
+                      <a:round/>
+                      <a:headEnd type="none" w="med" len="med"/>
+                      <a:tailEnd type="none" w="med" len="med"/>
+                    </a:lnR>
+                    <a:lnT w="6350" cap="flat" cmpd="sng" algn="ctr">
+                      <a:solidFill>
+                        <a:srgbClr val="000000"/>
+                      </a:solidFill>
+                      <a:prstDash val="solid"/>
+                      <a:round/>
+                      <a:headEnd type="none" w="med" len="med"/>
+                      <a:tailEnd type="none" w="med" len="med"/>
+                    </a:lnT>
+                    <a:lnB w="6350" cap="flat" cmpd="sng" algn="ctr">
+                      <a:solidFill>
+                        <a:srgbClr val="000000"/>
+                      </a:solidFill>
+                      <a:prstDash val="solid"/>
+                      <a:round/>
+                      <a:headEnd type="none" w="med" len="med"/>
+                      <a:tailEnd type="none" w="med" len="med"/>
+                    </a:lnB>
+                    <a:solidFill>
+                      <a:srgbClr val="C6E0B4"/>
+                    </a:solidFill>
+                  </a:tcPr>
                 </a:tc>
                 <a:tc>
                   <a:txBody>
@@ -4341,32 +4442,66 @@
                     <a:p>
                       <a:pPr algn="ctr" fontAlgn="ctr"/>
                       <a:r>
-                        <a:rPr lang="en-US" sz="1100" u="none" strike="noStrike">
+                        <a:rPr lang="en-US" sz="1000" b="0" i="0" u="none" strike="noStrike">
                           <a:solidFill>
-                            <a:schemeClr val="tx2"/>
+                            <a:srgbClr val="000000"/>
                           </a:solidFill>
                           <a:effectLst/>
+                          <a:latin typeface="Calibri" panose="020F0502020204030204" pitchFamily="34" charset="0"/>
                         </a:rPr>
-                        <a:t>Factoids, definition, acronym, birth date</a:t>
+                        <a:t> Pattern</a:t>
                       </a:r>
-                      <a:endParaRPr lang="en-US" sz="1100" b="0" i="0" u="none" strike="noStrike">
-                        <a:solidFill>
-                          <a:schemeClr val="tx2"/>
-                        </a:solidFill>
-                        <a:effectLst/>
-                        <a:latin typeface="Calibri" panose="020F0502020204030204" pitchFamily="34" charset="0"/>
-                      </a:endParaRPr>
                     </a:p>
                   </a:txBody>
-                  <a:tcPr marL="9525" marR="9525" marT="9525" marB="0" anchor="ctr"/>
+                  <a:tcPr marL="9065" marR="9065" marT="9065" marB="0" anchor="ctr">
+                    <a:lnL w="6350" cap="flat" cmpd="sng" algn="ctr">
+                      <a:solidFill>
+                        <a:srgbClr val="000000"/>
+                      </a:solidFill>
+                      <a:prstDash val="solid"/>
+                      <a:round/>
+                      <a:headEnd type="none" w="med" len="med"/>
+                      <a:tailEnd type="none" w="med" len="med"/>
+                    </a:lnL>
+                    <a:lnR w="6350" cap="flat" cmpd="sng" algn="ctr">
+                      <a:solidFill>
+                        <a:srgbClr val="000000"/>
+                      </a:solidFill>
+                      <a:prstDash val="solid"/>
+                      <a:round/>
+                      <a:headEnd type="none" w="med" len="med"/>
+                      <a:tailEnd type="none" w="med" len="med"/>
+                    </a:lnR>
+                    <a:lnT w="6350" cap="flat" cmpd="sng" algn="ctr">
+                      <a:solidFill>
+                        <a:srgbClr val="000000"/>
+                      </a:solidFill>
+                      <a:prstDash val="solid"/>
+                      <a:round/>
+                      <a:headEnd type="none" w="med" len="med"/>
+                      <a:tailEnd type="none" w="med" len="med"/>
+                    </a:lnT>
+                    <a:lnB w="6350" cap="flat" cmpd="sng" algn="ctr">
+                      <a:solidFill>
+                        <a:srgbClr val="000000"/>
+                      </a:solidFill>
+                      <a:prstDash val="solid"/>
+                      <a:round/>
+                      <a:headEnd type="none" w="med" len="med"/>
+                      <a:tailEnd type="none" w="med" len="med"/>
+                    </a:lnB>
+                    <a:solidFill>
+                      <a:srgbClr val="C6E0B4"/>
+                    </a:solidFill>
+                  </a:tcPr>
                 </a:tc>
                 <a:extLst>
                   <a:ext uri="{0D108BD9-81ED-4DB2-BD59-A6C34878D82A}">
-                    <a16:rowId xmlns:a16="http://schemas.microsoft.com/office/drawing/2014/main" val="3383991832"/>
+                    <a16:rowId xmlns:a16="http://schemas.microsoft.com/office/drawing/2014/main" val="431531709"/>
                   </a:ext>
                 </a:extLst>
               </a:tr>
-              <a:tr h="435863">
+              <a:tr h="354039">
                 <a:tc>
                   <a:txBody>
                     <a:bodyPr/>
@@ -4374,24 +4509,55 @@
                     <a:p>
                       <a:pPr algn="ctr" fontAlgn="ctr"/>
                       <a:r>
-                        <a:rPr lang="en-US" sz="1100" b="1" u="none" strike="noStrike">
+                        <a:rPr lang="en-US" sz="1000" b="0" i="0" u="none" strike="noStrike">
                           <a:solidFill>
-                            <a:schemeClr val="tx2"/>
+                            <a:srgbClr val="000000"/>
                           </a:solidFill>
                           <a:effectLst/>
+                          <a:latin typeface="Calibri" panose="020F0502020204030204" pitchFamily="34" charset="0"/>
                         </a:rPr>
-                        <a:t>Semantic understanding</a:t>
+                        <a:t>Question type handled</a:t>
                       </a:r>
-                      <a:endParaRPr lang="en-US" sz="1100" b="1" i="0" u="none" strike="noStrike">
-                        <a:solidFill>
-                          <a:schemeClr val="tx2"/>
-                        </a:solidFill>
-                        <a:effectLst/>
-                        <a:latin typeface="Calibri" panose="020F0502020204030204" pitchFamily="34" charset="0"/>
-                      </a:endParaRPr>
                     </a:p>
                   </a:txBody>
-                  <a:tcPr marL="9525" marR="9525" marT="9525" marB="0" anchor="ctr"/>
+                  <a:tcPr marL="9065" marR="9065" marT="9065" marB="0" anchor="ctr">
+                    <a:lnL w="6350" cap="flat" cmpd="sng" algn="ctr">
+                      <a:solidFill>
+                        <a:srgbClr val="000000"/>
+                      </a:solidFill>
+                      <a:prstDash val="solid"/>
+                      <a:round/>
+                      <a:headEnd type="none" w="med" len="med"/>
+                      <a:tailEnd type="none" w="med" len="med"/>
+                    </a:lnL>
+                    <a:lnR w="6350" cap="flat" cmpd="sng" algn="ctr">
+                      <a:solidFill>
+                        <a:srgbClr val="000000"/>
+                      </a:solidFill>
+                      <a:prstDash val="solid"/>
+                      <a:round/>
+                      <a:headEnd type="none" w="med" len="med"/>
+                      <a:tailEnd type="none" w="med" len="med"/>
+                    </a:lnR>
+                    <a:lnT w="6350" cap="flat" cmpd="sng" algn="ctr">
+                      <a:solidFill>
+                        <a:srgbClr val="000000"/>
+                      </a:solidFill>
+                      <a:prstDash val="solid"/>
+                      <a:round/>
+                      <a:headEnd type="none" w="med" len="med"/>
+                      <a:tailEnd type="none" w="med" len="med"/>
+                    </a:lnT>
+                    <a:lnB w="6350" cap="flat" cmpd="sng" algn="ctr">
+                      <a:solidFill>
+                        <a:srgbClr val="000000"/>
+                      </a:solidFill>
+                      <a:prstDash val="solid"/>
+                      <a:round/>
+                      <a:headEnd type="none" w="med" len="med"/>
+                      <a:tailEnd type="none" w="med" len="med"/>
+                    </a:lnB>
+                  </a:tcPr>
                 </a:tc>
                 <a:tc>
                   <a:txBody>
@@ -4400,24 +4566,55 @@
                     <a:p>
                       <a:pPr algn="ctr" fontAlgn="ctr"/>
                       <a:r>
-                        <a:rPr lang="en-US" sz="1100" u="none" strike="noStrike">
+                        <a:rPr lang="en-US" sz="1000" b="0" i="0" u="none" strike="noStrike">
                           <a:solidFill>
-                            <a:schemeClr val="tx2"/>
+                            <a:srgbClr val="000000"/>
                           </a:solidFill>
                           <a:effectLst/>
+                          <a:latin typeface="Calibri" panose="020F0502020204030204" pitchFamily="34" charset="0"/>
                         </a:rPr>
-                        <a:t>Deep</a:t>
+                        <a:t>Factoid questions</a:t>
                       </a:r>
-                      <a:endParaRPr lang="en-US" sz="1100" b="0" i="0" u="none" strike="noStrike">
-                        <a:solidFill>
-                          <a:schemeClr val="tx2"/>
-                        </a:solidFill>
-                        <a:effectLst/>
-                        <a:latin typeface="Calibri" panose="020F0502020204030204" pitchFamily="34" charset="0"/>
-                      </a:endParaRPr>
                     </a:p>
                   </a:txBody>
-                  <a:tcPr marL="9525" marR="9525" marT="9525" marB="0" anchor="ctr"/>
+                  <a:tcPr marL="9065" marR="9065" marT="9065" marB="0" anchor="ctr">
+                    <a:lnL w="6350" cap="flat" cmpd="sng" algn="ctr">
+                      <a:solidFill>
+                        <a:srgbClr val="000000"/>
+                      </a:solidFill>
+                      <a:prstDash val="solid"/>
+                      <a:round/>
+                      <a:headEnd type="none" w="med" len="med"/>
+                      <a:tailEnd type="none" w="med" len="med"/>
+                    </a:lnL>
+                    <a:lnR w="6350" cap="flat" cmpd="sng" algn="ctr">
+                      <a:solidFill>
+                        <a:srgbClr val="000000"/>
+                      </a:solidFill>
+                      <a:prstDash val="solid"/>
+                      <a:round/>
+                      <a:headEnd type="none" w="med" len="med"/>
+                      <a:tailEnd type="none" w="med" len="med"/>
+                    </a:lnR>
+                    <a:lnT w="6350" cap="flat" cmpd="sng" algn="ctr">
+                      <a:solidFill>
+                        <a:srgbClr val="000000"/>
+                      </a:solidFill>
+                      <a:prstDash val="solid"/>
+                      <a:round/>
+                      <a:headEnd type="none" w="med" len="med"/>
+                      <a:tailEnd type="none" w="med" len="med"/>
+                    </a:lnT>
+                    <a:lnB w="6350" cap="flat" cmpd="sng" algn="ctr">
+                      <a:solidFill>
+                        <a:srgbClr val="000000"/>
+                      </a:solidFill>
+                      <a:prstDash val="solid"/>
+                      <a:round/>
+                      <a:headEnd type="none" w="med" len="med"/>
+                      <a:tailEnd type="none" w="med" len="med"/>
+                    </a:lnB>
+                  </a:tcPr>
                 </a:tc>
                 <a:tc>
                   <a:txBody>
@@ -4426,24 +4623,55 @@
                     <a:p>
                       <a:pPr algn="ctr" fontAlgn="ctr"/>
                       <a:r>
-                        <a:rPr lang="en-US" sz="1100" u="none" strike="noStrike">
+                        <a:rPr lang="en-US" sz="1000" b="0" i="0" u="none" strike="noStrike">
                           <a:solidFill>
-                            <a:schemeClr val="tx2"/>
+                            <a:srgbClr val="000000"/>
                           </a:solidFill>
                           <a:effectLst/>
+                          <a:latin typeface="Calibri" panose="020F0502020204030204" pitchFamily="34" charset="0"/>
                         </a:rPr>
-                        <a:t>Shallow</a:t>
+                        <a:t>Complex non-factoid along with factoids</a:t>
                       </a:r>
-                      <a:endParaRPr lang="en-US" sz="1100" b="0" i="0" u="none" strike="noStrike">
-                        <a:solidFill>
-                          <a:schemeClr val="tx2"/>
-                        </a:solidFill>
-                        <a:effectLst/>
-                        <a:latin typeface="Calibri" panose="020F0502020204030204" pitchFamily="34" charset="0"/>
-                      </a:endParaRPr>
                     </a:p>
                   </a:txBody>
-                  <a:tcPr marL="9525" marR="9525" marT="9525" marB="0" anchor="ctr"/>
+                  <a:tcPr marL="9065" marR="9065" marT="9065" marB="0" anchor="ctr">
+                    <a:lnL w="6350" cap="flat" cmpd="sng" algn="ctr">
+                      <a:solidFill>
+                        <a:srgbClr val="000000"/>
+                      </a:solidFill>
+                      <a:prstDash val="solid"/>
+                      <a:round/>
+                      <a:headEnd type="none" w="med" len="med"/>
+                      <a:tailEnd type="none" w="med" len="med"/>
+                    </a:lnL>
+                    <a:lnR w="6350" cap="flat" cmpd="sng" algn="ctr">
+                      <a:solidFill>
+                        <a:srgbClr val="000000"/>
+                      </a:solidFill>
+                      <a:prstDash val="solid"/>
+                      <a:round/>
+                      <a:headEnd type="none" w="med" len="med"/>
+                      <a:tailEnd type="none" w="med" len="med"/>
+                    </a:lnR>
+                    <a:lnT w="6350" cap="flat" cmpd="sng" algn="ctr">
+                      <a:solidFill>
+                        <a:srgbClr val="000000"/>
+                      </a:solidFill>
+                      <a:prstDash val="solid"/>
+                      <a:round/>
+                      <a:headEnd type="none" w="med" len="med"/>
+                      <a:tailEnd type="none" w="med" len="med"/>
+                    </a:lnT>
+                    <a:lnB w="6350" cap="flat" cmpd="sng" algn="ctr">
+                      <a:solidFill>
+                        <a:srgbClr val="000000"/>
+                      </a:solidFill>
+                      <a:prstDash val="solid"/>
+                      <a:round/>
+                      <a:headEnd type="none" w="med" len="med"/>
+                      <a:tailEnd type="none" w="med" len="med"/>
+                    </a:lnB>
+                  </a:tcPr>
                 </a:tc>
                 <a:tc>
                   <a:txBody>
@@ -4452,32 +4680,63 @@
                     <a:p>
                       <a:pPr algn="ctr" fontAlgn="ctr"/>
                       <a:r>
-                        <a:rPr lang="en-US" sz="1100" u="none" strike="noStrike">
+                        <a:rPr lang="en-US" sz="1000" b="0" i="0" u="none" strike="noStrike">
                           <a:solidFill>
-                            <a:schemeClr val="tx2"/>
+                            <a:srgbClr val="000000"/>
                           </a:solidFill>
                           <a:effectLst/>
+                          <a:latin typeface="Calibri" panose="020F0502020204030204" pitchFamily="34" charset="0"/>
                         </a:rPr>
-                        <a:t>Less than all other competing approaches.</a:t>
+                        <a:t>Factoids, definition, acronym, birth date</a:t>
                       </a:r>
-                      <a:endParaRPr lang="en-US" sz="1100" b="0" i="0" u="none" strike="noStrike">
-                        <a:solidFill>
-                          <a:schemeClr val="tx2"/>
-                        </a:solidFill>
-                        <a:effectLst/>
-                        <a:latin typeface="Calibri" panose="020F0502020204030204" pitchFamily="34" charset="0"/>
-                      </a:endParaRPr>
                     </a:p>
                   </a:txBody>
-                  <a:tcPr marL="9525" marR="9525" marT="9525" marB="0" anchor="ctr"/>
+                  <a:tcPr marL="9065" marR="9065" marT="9065" marB="0" anchor="ctr">
+                    <a:lnL w="6350" cap="flat" cmpd="sng" algn="ctr">
+                      <a:solidFill>
+                        <a:srgbClr val="000000"/>
+                      </a:solidFill>
+                      <a:prstDash val="solid"/>
+                      <a:round/>
+                      <a:headEnd type="none" w="med" len="med"/>
+                      <a:tailEnd type="none" w="med" len="med"/>
+                    </a:lnL>
+                    <a:lnR w="6350" cap="flat" cmpd="sng" algn="ctr">
+                      <a:solidFill>
+                        <a:srgbClr val="000000"/>
+                      </a:solidFill>
+                      <a:prstDash val="solid"/>
+                      <a:round/>
+                      <a:headEnd type="none" w="med" len="med"/>
+                      <a:tailEnd type="none" w="med" len="med"/>
+                    </a:lnR>
+                    <a:lnT w="6350" cap="flat" cmpd="sng" algn="ctr">
+                      <a:solidFill>
+                        <a:srgbClr val="000000"/>
+                      </a:solidFill>
+                      <a:prstDash val="solid"/>
+                      <a:round/>
+                      <a:headEnd type="none" w="med" len="med"/>
+                      <a:tailEnd type="none" w="med" len="med"/>
+                    </a:lnT>
+                    <a:lnB w="6350" cap="flat" cmpd="sng" algn="ctr">
+                      <a:solidFill>
+                        <a:srgbClr val="000000"/>
+                      </a:solidFill>
+                      <a:prstDash val="solid"/>
+                      <a:round/>
+                      <a:headEnd type="none" w="med" len="med"/>
+                      <a:tailEnd type="none" w="med" len="med"/>
+                    </a:lnB>
+                  </a:tcPr>
                 </a:tc>
                 <a:extLst>
                   <a:ext uri="{0D108BD9-81ED-4DB2-BD59-A6C34878D82A}">
-                    <a16:rowId xmlns:a16="http://schemas.microsoft.com/office/drawing/2014/main" val="1938215128"/>
+                    <a16:rowId xmlns:a16="http://schemas.microsoft.com/office/drawing/2014/main" val="595705869"/>
                   </a:ext>
                 </a:extLst>
               </a:tr>
-              <a:tr h="871726">
+              <a:tr h="354039">
                 <a:tc>
                   <a:txBody>
                     <a:bodyPr/>
@@ -4485,24 +4744,55 @@
                     <a:p>
                       <a:pPr algn="ctr" fontAlgn="ctr"/>
                       <a:r>
-                        <a:rPr lang="en-US" sz="1100" b="1" u="none" strike="noStrike" dirty="0">
+                        <a:rPr lang="en-US" sz="1000" b="0" i="0" u="none" strike="noStrike">
                           <a:solidFill>
-                            <a:schemeClr val="tx2"/>
+                            <a:srgbClr val="000000"/>
                           </a:solidFill>
                           <a:effectLst/>
+                          <a:latin typeface="Calibri" panose="020F0502020204030204" pitchFamily="34" charset="0"/>
                         </a:rPr>
-                        <a:t>Heterogeneous data handling</a:t>
+                        <a:t>Semantic understanding</a:t>
                       </a:r>
-                      <a:endParaRPr lang="en-US" sz="1100" b="1" i="0" u="none" strike="noStrike" dirty="0">
-                        <a:solidFill>
-                          <a:schemeClr val="tx2"/>
-                        </a:solidFill>
-                        <a:effectLst/>
-                        <a:latin typeface="Calibri" panose="020F0502020204030204" pitchFamily="34" charset="0"/>
-                      </a:endParaRPr>
                     </a:p>
                   </a:txBody>
-                  <a:tcPr marL="9525" marR="9525" marT="9525" marB="0" anchor="ctr"/>
+                  <a:tcPr marL="9065" marR="9065" marT="9065" marB="0" anchor="ctr">
+                    <a:lnL w="6350" cap="flat" cmpd="sng" algn="ctr">
+                      <a:solidFill>
+                        <a:srgbClr val="000000"/>
+                      </a:solidFill>
+                      <a:prstDash val="solid"/>
+                      <a:round/>
+                      <a:headEnd type="none" w="med" len="med"/>
+                      <a:tailEnd type="none" w="med" len="med"/>
+                    </a:lnL>
+                    <a:lnR w="6350" cap="flat" cmpd="sng" algn="ctr">
+                      <a:solidFill>
+                        <a:srgbClr val="000000"/>
+                      </a:solidFill>
+                      <a:prstDash val="solid"/>
+                      <a:round/>
+                      <a:headEnd type="none" w="med" len="med"/>
+                      <a:tailEnd type="none" w="med" len="med"/>
+                    </a:lnR>
+                    <a:lnT w="6350" cap="flat" cmpd="sng" algn="ctr">
+                      <a:solidFill>
+                        <a:srgbClr val="000000"/>
+                      </a:solidFill>
+                      <a:prstDash val="solid"/>
+                      <a:round/>
+                      <a:headEnd type="none" w="med" len="med"/>
+                      <a:tailEnd type="none" w="med" len="med"/>
+                    </a:lnT>
+                    <a:lnB w="6350" cap="flat" cmpd="sng" algn="ctr">
+                      <a:solidFill>
+                        <a:srgbClr val="000000"/>
+                      </a:solidFill>
+                      <a:prstDash val="solid"/>
+                      <a:round/>
+                      <a:headEnd type="none" w="med" len="med"/>
+                      <a:tailEnd type="none" w="med" len="med"/>
+                    </a:lnB>
+                  </a:tcPr>
                 </a:tc>
                 <a:tc>
                   <a:txBody>
@@ -4511,42 +4801,55 @@
                     <a:p>
                       <a:pPr algn="ctr" fontAlgn="ctr"/>
                       <a:r>
-                        <a:rPr lang="en-US" sz="1100" u="none" strike="noStrike" dirty="0">
+                        <a:rPr lang="en-US" sz="1000" b="0" i="0" u="none" strike="noStrike">
                           <a:solidFill>
-                            <a:schemeClr val="tx2"/>
+                            <a:srgbClr val="000000"/>
                           </a:solidFill>
                           <a:effectLst/>
+                          <a:latin typeface="Calibri" panose="020F0502020204030204" pitchFamily="34" charset="0"/>
                         </a:rPr>
-                        <a:t>Quite difficult as knowledge base are generally designed only to handle their </a:t>
+                        <a:t>Deep</a:t>
                       </a:r>
-                      <a:r>
-                        <a:rPr lang="en-US" sz="1100" u="none" strike="noStrike" dirty="0" err="1">
-                          <a:solidFill>
-                            <a:schemeClr val="tx2"/>
-                          </a:solidFill>
-                          <a:effectLst/>
-                        </a:rPr>
-                        <a:t>prestored</a:t>
-                      </a:r>
-                      <a:r>
-                        <a:rPr lang="en-US" sz="1100" u="none" strike="noStrike" dirty="0">
-                          <a:solidFill>
-                            <a:schemeClr val="tx2"/>
-                          </a:solidFill>
-                          <a:effectLst/>
-                        </a:rPr>
-                        <a:t> data type</a:t>
-                      </a:r>
-                      <a:endParaRPr lang="en-US" sz="1100" b="0" i="0" u="none" strike="noStrike" dirty="0">
-                        <a:solidFill>
-                          <a:schemeClr val="tx2"/>
-                        </a:solidFill>
-                        <a:effectLst/>
-                        <a:latin typeface="Calibri" panose="020F0502020204030204" pitchFamily="34" charset="0"/>
-                      </a:endParaRPr>
                     </a:p>
                   </a:txBody>
-                  <a:tcPr marL="9525" marR="9525" marT="9525" marB="0" anchor="ctr"/>
+                  <a:tcPr marL="9065" marR="9065" marT="9065" marB="0" anchor="ctr">
+                    <a:lnL w="6350" cap="flat" cmpd="sng" algn="ctr">
+                      <a:solidFill>
+                        <a:srgbClr val="000000"/>
+                      </a:solidFill>
+                      <a:prstDash val="solid"/>
+                      <a:round/>
+                      <a:headEnd type="none" w="med" len="med"/>
+                      <a:tailEnd type="none" w="med" len="med"/>
+                    </a:lnL>
+                    <a:lnR w="6350" cap="flat" cmpd="sng" algn="ctr">
+                      <a:solidFill>
+                        <a:srgbClr val="000000"/>
+                      </a:solidFill>
+                      <a:prstDash val="solid"/>
+                      <a:round/>
+                      <a:headEnd type="none" w="med" len="med"/>
+                      <a:tailEnd type="none" w="med" len="med"/>
+                    </a:lnR>
+                    <a:lnT w="6350" cap="flat" cmpd="sng" algn="ctr">
+                      <a:solidFill>
+                        <a:srgbClr val="000000"/>
+                      </a:solidFill>
+                      <a:prstDash val="solid"/>
+                      <a:round/>
+                      <a:headEnd type="none" w="med" len="med"/>
+                      <a:tailEnd type="none" w="med" len="med"/>
+                    </a:lnT>
+                    <a:lnB w="6350" cap="flat" cmpd="sng" algn="ctr">
+                      <a:solidFill>
+                        <a:srgbClr val="000000"/>
+                      </a:solidFill>
+                      <a:prstDash val="solid"/>
+                      <a:round/>
+                      <a:headEnd type="none" w="med" len="med"/>
+                      <a:tailEnd type="none" w="med" len="med"/>
+                    </a:lnB>
+                  </a:tcPr>
                 </a:tc>
                 <a:tc>
                   <a:txBody>
@@ -4555,24 +4858,55 @@
                     <a:p>
                       <a:pPr algn="ctr" fontAlgn="ctr"/>
                       <a:r>
-                        <a:rPr lang="en-US" sz="1100" u="none" strike="noStrike">
+                        <a:rPr lang="en-US" sz="1000" b="0" i="0" u="none" strike="noStrike">
                           <a:solidFill>
-                            <a:schemeClr val="tx2"/>
+                            <a:srgbClr val="000000"/>
                           </a:solidFill>
                           <a:effectLst/>
+                          <a:latin typeface="Calibri" panose="020F0502020204030204" pitchFamily="34" charset="0"/>
                         </a:rPr>
-                        <a:t>Statistical similarity measurements are used to integrate data</a:t>
+                        <a:t>Shallow</a:t>
                       </a:r>
-                      <a:endParaRPr lang="en-US" sz="1100" b="0" i="0" u="none" strike="noStrike">
-                        <a:solidFill>
-                          <a:schemeClr val="tx2"/>
-                        </a:solidFill>
-                        <a:effectLst/>
-                        <a:latin typeface="Calibri" panose="020F0502020204030204" pitchFamily="34" charset="0"/>
-                      </a:endParaRPr>
                     </a:p>
                   </a:txBody>
-                  <a:tcPr marL="9525" marR="9525" marT="9525" marB="0" anchor="ctr"/>
+                  <a:tcPr marL="9065" marR="9065" marT="9065" marB="0" anchor="ctr">
+                    <a:lnL w="6350" cap="flat" cmpd="sng" algn="ctr">
+                      <a:solidFill>
+                        <a:srgbClr val="000000"/>
+                      </a:solidFill>
+                      <a:prstDash val="solid"/>
+                      <a:round/>
+                      <a:headEnd type="none" w="med" len="med"/>
+                      <a:tailEnd type="none" w="med" len="med"/>
+                    </a:lnL>
+                    <a:lnR w="6350" cap="flat" cmpd="sng" algn="ctr">
+                      <a:solidFill>
+                        <a:srgbClr val="000000"/>
+                      </a:solidFill>
+                      <a:prstDash val="solid"/>
+                      <a:round/>
+                      <a:headEnd type="none" w="med" len="med"/>
+                      <a:tailEnd type="none" w="med" len="med"/>
+                    </a:lnR>
+                    <a:lnT w="6350" cap="flat" cmpd="sng" algn="ctr">
+                      <a:solidFill>
+                        <a:srgbClr val="000000"/>
+                      </a:solidFill>
+                      <a:prstDash val="solid"/>
+                      <a:round/>
+                      <a:headEnd type="none" w="med" len="med"/>
+                      <a:tailEnd type="none" w="med" len="med"/>
+                    </a:lnT>
+                    <a:lnB w="6350" cap="flat" cmpd="sng" algn="ctr">
+                      <a:solidFill>
+                        <a:srgbClr val="000000"/>
+                      </a:solidFill>
+                      <a:prstDash val="solid"/>
+                      <a:round/>
+                      <a:headEnd type="none" w="med" len="med"/>
+                      <a:tailEnd type="none" w="med" len="med"/>
+                    </a:lnB>
+                  </a:tcPr>
                 </a:tc>
                 <a:tc>
                   <a:txBody>
@@ -4581,32 +4915,63 @@
                     <a:p>
                       <a:pPr algn="ctr" fontAlgn="ctr"/>
                       <a:r>
-                        <a:rPr lang="en-US" sz="1100" u="none" strike="noStrike">
+                        <a:rPr lang="en-US" sz="1000" b="0" i="0" u="none" strike="noStrike">
                           <a:solidFill>
-                            <a:schemeClr val="tx2"/>
+                            <a:srgbClr val="000000"/>
                           </a:solidFill>
                           <a:effectLst/>
+                          <a:latin typeface="Calibri" panose="020F0502020204030204" pitchFamily="34" charset="0"/>
                         </a:rPr>
-                        <a:t>Easily possible as pattern aids in wrapper generation.</a:t>
+                        <a:t>Less than all other competing approaches.</a:t>
                       </a:r>
-                      <a:endParaRPr lang="en-US" sz="1100" b="0" i="0" u="none" strike="noStrike">
-                        <a:solidFill>
-                          <a:schemeClr val="tx2"/>
-                        </a:solidFill>
-                        <a:effectLst/>
-                        <a:latin typeface="Calibri" panose="020F0502020204030204" pitchFamily="34" charset="0"/>
-                      </a:endParaRPr>
                     </a:p>
                   </a:txBody>
-                  <a:tcPr marL="9525" marR="9525" marT="9525" marB="0" anchor="ctr"/>
+                  <a:tcPr marL="9065" marR="9065" marT="9065" marB="0" anchor="ctr">
+                    <a:lnL w="6350" cap="flat" cmpd="sng" algn="ctr">
+                      <a:solidFill>
+                        <a:srgbClr val="000000"/>
+                      </a:solidFill>
+                      <a:prstDash val="solid"/>
+                      <a:round/>
+                      <a:headEnd type="none" w="med" len="med"/>
+                      <a:tailEnd type="none" w="med" len="med"/>
+                    </a:lnL>
+                    <a:lnR w="6350" cap="flat" cmpd="sng" algn="ctr">
+                      <a:solidFill>
+                        <a:srgbClr val="000000"/>
+                      </a:solidFill>
+                      <a:prstDash val="solid"/>
+                      <a:round/>
+                      <a:headEnd type="none" w="med" len="med"/>
+                      <a:tailEnd type="none" w="med" len="med"/>
+                    </a:lnR>
+                    <a:lnT w="6350" cap="flat" cmpd="sng" algn="ctr">
+                      <a:solidFill>
+                        <a:srgbClr val="000000"/>
+                      </a:solidFill>
+                      <a:prstDash val="solid"/>
+                      <a:round/>
+                      <a:headEnd type="none" w="med" len="med"/>
+                      <a:tailEnd type="none" w="med" len="med"/>
+                    </a:lnT>
+                    <a:lnB w="6350" cap="flat" cmpd="sng" algn="ctr">
+                      <a:solidFill>
+                        <a:srgbClr val="000000"/>
+                      </a:solidFill>
+                      <a:prstDash val="solid"/>
+                      <a:round/>
+                      <a:headEnd type="none" w="med" len="med"/>
+                      <a:tailEnd type="none" w="med" len="med"/>
+                    </a:lnB>
+                  </a:tcPr>
                 </a:tc>
                 <a:extLst>
                   <a:ext uri="{0D108BD9-81ED-4DB2-BD59-A6C34878D82A}">
-                    <a16:rowId xmlns:a16="http://schemas.microsoft.com/office/drawing/2014/main" val="1493505926"/>
+                    <a16:rowId xmlns:a16="http://schemas.microsoft.com/office/drawing/2014/main" val="2795100751"/>
                   </a:ext>
                 </a:extLst>
               </a:tr>
-              <a:tr h="653795">
+              <a:tr h="708079">
                 <a:tc>
                   <a:txBody>
                     <a:bodyPr/>
@@ -4614,24 +4979,290 @@
                     <a:p>
                       <a:pPr algn="ctr" fontAlgn="ctr"/>
                       <a:r>
-                        <a:rPr lang="en-US" sz="1100" b="1" u="none" strike="noStrike">
+                        <a:rPr lang="en-US" sz="1000" b="0" i="0" u="none" strike="noStrike">
                           <a:solidFill>
-                            <a:schemeClr val="tx2"/>
+                            <a:srgbClr val="000000"/>
                           </a:solidFill>
                           <a:effectLst/>
+                          <a:latin typeface="Calibri" panose="020F0502020204030204" pitchFamily="34" charset="0"/>
+                        </a:rPr>
+                        <a:t>Heterogeneous data handling</a:t>
+                      </a:r>
+                    </a:p>
+                  </a:txBody>
+                  <a:tcPr marL="9065" marR="9065" marT="9065" marB="0" anchor="ctr">
+                    <a:lnL w="6350" cap="flat" cmpd="sng" algn="ctr">
+                      <a:solidFill>
+                        <a:srgbClr val="000000"/>
+                      </a:solidFill>
+                      <a:prstDash val="solid"/>
+                      <a:round/>
+                      <a:headEnd type="none" w="med" len="med"/>
+                      <a:tailEnd type="none" w="med" len="med"/>
+                    </a:lnL>
+                    <a:lnR w="6350" cap="flat" cmpd="sng" algn="ctr">
+                      <a:solidFill>
+                        <a:srgbClr val="000000"/>
+                      </a:solidFill>
+                      <a:prstDash val="solid"/>
+                      <a:round/>
+                      <a:headEnd type="none" w="med" len="med"/>
+                      <a:tailEnd type="none" w="med" len="med"/>
+                    </a:lnR>
+                    <a:lnT w="6350" cap="flat" cmpd="sng" algn="ctr">
+                      <a:solidFill>
+                        <a:srgbClr val="000000"/>
+                      </a:solidFill>
+                      <a:prstDash val="solid"/>
+                      <a:round/>
+                      <a:headEnd type="none" w="med" len="med"/>
+                      <a:tailEnd type="none" w="med" len="med"/>
+                    </a:lnT>
+                    <a:lnB w="6350" cap="flat" cmpd="sng" algn="ctr">
+                      <a:solidFill>
+                        <a:srgbClr val="000000"/>
+                      </a:solidFill>
+                      <a:prstDash val="solid"/>
+                      <a:round/>
+                      <a:headEnd type="none" w="med" len="med"/>
+                      <a:tailEnd type="none" w="med" len="med"/>
+                    </a:lnB>
+                  </a:tcPr>
+                </a:tc>
+                <a:tc>
+                  <a:txBody>
+                    <a:bodyPr/>
+                    <a:lstStyle/>
+                    <a:p>
+                      <a:pPr algn="ctr" fontAlgn="ctr"/>
+                      <a:r>
+                        <a:rPr lang="en-US" sz="1000" b="0" i="0" u="none" strike="noStrike">
+                          <a:solidFill>
+                            <a:srgbClr val="000000"/>
+                          </a:solidFill>
+                          <a:effectLst/>
+                          <a:latin typeface="Calibri" panose="020F0502020204030204" pitchFamily="34" charset="0"/>
+                        </a:rPr>
+                        <a:t>Quite difficult as knowledge base are generally designed only to handle their prestored data type</a:t>
+                      </a:r>
+                    </a:p>
+                  </a:txBody>
+                  <a:tcPr marL="9065" marR="9065" marT="9065" marB="0" anchor="ctr">
+                    <a:lnL w="6350" cap="flat" cmpd="sng" algn="ctr">
+                      <a:solidFill>
+                        <a:srgbClr val="000000"/>
+                      </a:solidFill>
+                      <a:prstDash val="solid"/>
+                      <a:round/>
+                      <a:headEnd type="none" w="med" len="med"/>
+                      <a:tailEnd type="none" w="med" len="med"/>
+                    </a:lnL>
+                    <a:lnR w="6350" cap="flat" cmpd="sng" algn="ctr">
+                      <a:solidFill>
+                        <a:srgbClr val="000000"/>
+                      </a:solidFill>
+                      <a:prstDash val="solid"/>
+                      <a:round/>
+                      <a:headEnd type="none" w="med" len="med"/>
+                      <a:tailEnd type="none" w="med" len="med"/>
+                    </a:lnR>
+                    <a:lnT w="6350" cap="flat" cmpd="sng" algn="ctr">
+                      <a:solidFill>
+                        <a:srgbClr val="000000"/>
+                      </a:solidFill>
+                      <a:prstDash val="solid"/>
+                      <a:round/>
+                      <a:headEnd type="none" w="med" len="med"/>
+                      <a:tailEnd type="none" w="med" len="med"/>
+                    </a:lnT>
+                    <a:lnB w="6350" cap="flat" cmpd="sng" algn="ctr">
+                      <a:solidFill>
+                        <a:srgbClr val="000000"/>
+                      </a:solidFill>
+                      <a:prstDash val="solid"/>
+                      <a:round/>
+                      <a:headEnd type="none" w="med" len="med"/>
+                      <a:tailEnd type="none" w="med" len="med"/>
+                    </a:lnB>
+                  </a:tcPr>
+                </a:tc>
+                <a:tc>
+                  <a:txBody>
+                    <a:bodyPr/>
+                    <a:lstStyle/>
+                    <a:p>
+                      <a:pPr algn="ctr" fontAlgn="ctr"/>
+                      <a:r>
+                        <a:rPr lang="en-US" sz="1000" b="0" i="0" u="none" strike="noStrike">
+                          <a:solidFill>
+                            <a:srgbClr val="000000"/>
+                          </a:solidFill>
+                          <a:effectLst/>
+                          <a:latin typeface="Calibri" panose="020F0502020204030204" pitchFamily="34" charset="0"/>
+                        </a:rPr>
+                        <a:t>Statistical similarity measurements are used to integrate data</a:t>
+                      </a:r>
+                    </a:p>
+                  </a:txBody>
+                  <a:tcPr marL="9065" marR="9065" marT="9065" marB="0" anchor="ctr">
+                    <a:lnL w="6350" cap="flat" cmpd="sng" algn="ctr">
+                      <a:solidFill>
+                        <a:srgbClr val="000000"/>
+                      </a:solidFill>
+                      <a:prstDash val="solid"/>
+                      <a:round/>
+                      <a:headEnd type="none" w="med" len="med"/>
+                      <a:tailEnd type="none" w="med" len="med"/>
+                    </a:lnL>
+                    <a:lnR w="6350" cap="flat" cmpd="sng" algn="ctr">
+                      <a:solidFill>
+                        <a:srgbClr val="000000"/>
+                      </a:solidFill>
+                      <a:prstDash val="solid"/>
+                      <a:round/>
+                      <a:headEnd type="none" w="med" len="med"/>
+                      <a:tailEnd type="none" w="med" len="med"/>
+                    </a:lnR>
+                    <a:lnT w="6350" cap="flat" cmpd="sng" algn="ctr">
+                      <a:solidFill>
+                        <a:srgbClr val="000000"/>
+                      </a:solidFill>
+                      <a:prstDash val="solid"/>
+                      <a:round/>
+                      <a:headEnd type="none" w="med" len="med"/>
+                      <a:tailEnd type="none" w="med" len="med"/>
+                    </a:lnT>
+                    <a:lnB w="6350" cap="flat" cmpd="sng" algn="ctr">
+                      <a:solidFill>
+                        <a:srgbClr val="000000"/>
+                      </a:solidFill>
+                      <a:prstDash val="solid"/>
+                      <a:round/>
+                      <a:headEnd type="none" w="med" len="med"/>
+                      <a:tailEnd type="none" w="med" len="med"/>
+                    </a:lnB>
+                  </a:tcPr>
+                </a:tc>
+                <a:tc>
+                  <a:txBody>
+                    <a:bodyPr/>
+                    <a:lstStyle/>
+                    <a:p>
+                      <a:pPr algn="ctr" fontAlgn="ctr"/>
+                      <a:r>
+                        <a:rPr lang="en-US" sz="1000" b="0" i="0" u="none" strike="noStrike">
+                          <a:solidFill>
+                            <a:srgbClr val="000000"/>
+                          </a:solidFill>
+                          <a:effectLst/>
+                          <a:latin typeface="Calibri" panose="020F0502020204030204" pitchFamily="34" charset="0"/>
+                        </a:rPr>
+                        <a:t>Easily possible as pattern aids in wrapper generation.</a:t>
+                      </a:r>
+                    </a:p>
+                  </a:txBody>
+                  <a:tcPr marL="9065" marR="9065" marT="9065" marB="0" anchor="ctr">
+                    <a:lnL w="6350" cap="flat" cmpd="sng" algn="ctr">
+                      <a:solidFill>
+                        <a:srgbClr val="000000"/>
+                      </a:solidFill>
+                      <a:prstDash val="solid"/>
+                      <a:round/>
+                      <a:headEnd type="none" w="med" len="med"/>
+                      <a:tailEnd type="none" w="med" len="med"/>
+                    </a:lnL>
+                    <a:lnR w="6350" cap="flat" cmpd="sng" algn="ctr">
+                      <a:solidFill>
+                        <a:srgbClr val="000000"/>
+                      </a:solidFill>
+                      <a:prstDash val="solid"/>
+                      <a:round/>
+                      <a:headEnd type="none" w="med" len="med"/>
+                      <a:tailEnd type="none" w="med" len="med"/>
+                    </a:lnR>
+                    <a:lnT w="6350" cap="flat" cmpd="sng" algn="ctr">
+                      <a:solidFill>
+                        <a:srgbClr val="000000"/>
+                      </a:solidFill>
+                      <a:prstDash val="solid"/>
+                      <a:round/>
+                      <a:headEnd type="none" w="med" len="med"/>
+                      <a:tailEnd type="none" w="med" len="med"/>
+                    </a:lnT>
+                    <a:lnB w="6350" cap="flat" cmpd="sng" algn="ctr">
+                      <a:solidFill>
+                        <a:srgbClr val="000000"/>
+                      </a:solidFill>
+                      <a:prstDash val="solid"/>
+                      <a:round/>
+                      <a:headEnd type="none" w="med" len="med"/>
+                      <a:tailEnd type="none" w="med" len="med"/>
+                    </a:lnB>
+                  </a:tcPr>
+                </a:tc>
+                <a:extLst>
+                  <a:ext uri="{0D108BD9-81ED-4DB2-BD59-A6C34878D82A}">
+                    <a16:rowId xmlns:a16="http://schemas.microsoft.com/office/drawing/2014/main" val="2340925464"/>
+                  </a:ext>
+                </a:extLst>
+              </a:tr>
+              <a:tr h="531059">
+                <a:tc>
+                  <a:txBody>
+                    <a:bodyPr/>
+                    <a:lstStyle/>
+                    <a:p>
+                      <a:pPr algn="ctr" fontAlgn="ctr"/>
+                      <a:r>
+                        <a:rPr lang="en-US" sz="1000" b="0" i="0" u="none" strike="noStrike">
+                          <a:solidFill>
+                            <a:srgbClr val="000000"/>
+                          </a:solidFill>
+                          <a:effectLst/>
+                          <a:latin typeface="Calibri" panose="020F0502020204030204" pitchFamily="34" charset="0"/>
                         </a:rPr>
                         <a:t>Reliability</a:t>
                       </a:r>
-                      <a:endParaRPr lang="en-US" sz="1100" b="1" i="0" u="none" strike="noStrike">
-                        <a:solidFill>
-                          <a:schemeClr val="tx2"/>
-                        </a:solidFill>
-                        <a:effectLst/>
-                        <a:latin typeface="Calibri" panose="020F0502020204030204" pitchFamily="34" charset="0"/>
-                      </a:endParaRPr>
                     </a:p>
                   </a:txBody>
-                  <a:tcPr marL="9525" marR="9525" marT="9525" marB="0" anchor="ctr"/>
+                  <a:tcPr marL="9065" marR="9065" marT="9065" marB="0" anchor="ctr">
+                    <a:lnL w="6350" cap="flat" cmpd="sng" algn="ctr">
+                      <a:solidFill>
+                        <a:srgbClr val="000000"/>
+                      </a:solidFill>
+                      <a:prstDash val="solid"/>
+                      <a:round/>
+                      <a:headEnd type="none" w="med" len="med"/>
+                      <a:tailEnd type="none" w="med" len="med"/>
+                    </a:lnL>
+                    <a:lnR w="6350" cap="flat" cmpd="sng" algn="ctr">
+                      <a:solidFill>
+                        <a:srgbClr val="000000"/>
+                      </a:solidFill>
+                      <a:prstDash val="solid"/>
+                      <a:round/>
+                      <a:headEnd type="none" w="med" len="med"/>
+                      <a:tailEnd type="none" w="med" len="med"/>
+                    </a:lnR>
+                    <a:lnT w="6350" cap="flat" cmpd="sng" algn="ctr">
+                      <a:solidFill>
+                        <a:srgbClr val="000000"/>
+                      </a:solidFill>
+                      <a:prstDash val="solid"/>
+                      <a:round/>
+                      <a:headEnd type="none" w="med" len="med"/>
+                      <a:tailEnd type="none" w="med" len="med"/>
+                    </a:lnT>
+                    <a:lnB w="6350" cap="flat" cmpd="sng" algn="ctr">
+                      <a:solidFill>
+                        <a:srgbClr val="000000"/>
+                      </a:solidFill>
+                      <a:prstDash val="solid"/>
+                      <a:round/>
+                      <a:headEnd type="none" w="med" len="med"/>
+                      <a:tailEnd type="none" w="med" len="med"/>
+                    </a:lnB>
+                  </a:tcPr>
                 </a:tc>
                 <a:tc>
                   <a:txBody>
@@ -4640,24 +5271,55 @@
                     <a:p>
                       <a:pPr algn="l" fontAlgn="b"/>
                       <a:r>
-                        <a:rPr lang="en-US" sz="1100" u="none" strike="noStrike">
+                        <a:rPr lang="en-US" sz="1000" b="0" i="0" u="none" strike="noStrike">
                           <a:solidFill>
-                            <a:schemeClr val="tx2"/>
+                            <a:srgbClr val="000000"/>
                           </a:solidFill>
                           <a:effectLst/>
+                          <a:latin typeface="Calibri" panose="020F0502020204030204" pitchFamily="34" charset="0"/>
                         </a:rPr>
                         <a:t>Most reliable as answers are extracted from self- maintained knowledge base</a:t>
                       </a:r>
-                      <a:endParaRPr lang="en-US" sz="1100" b="0" i="0" u="none" strike="noStrike">
-                        <a:solidFill>
-                          <a:schemeClr val="tx2"/>
-                        </a:solidFill>
-                        <a:effectLst/>
-                        <a:latin typeface="Calibri" panose="020F0502020204030204" pitchFamily="34" charset="0"/>
-                      </a:endParaRPr>
                     </a:p>
                   </a:txBody>
-                  <a:tcPr marL="9525" marR="9525" marT="9525" marB="0" anchor="b"/>
+                  <a:tcPr marL="9065" marR="9065" marT="9065" marB="0" anchor="b">
+                    <a:lnL w="6350" cap="flat" cmpd="sng" algn="ctr">
+                      <a:solidFill>
+                        <a:srgbClr val="000000"/>
+                      </a:solidFill>
+                      <a:prstDash val="solid"/>
+                      <a:round/>
+                      <a:headEnd type="none" w="med" len="med"/>
+                      <a:tailEnd type="none" w="med" len="med"/>
+                    </a:lnL>
+                    <a:lnR w="6350" cap="flat" cmpd="sng" algn="ctr">
+                      <a:solidFill>
+                        <a:srgbClr val="000000"/>
+                      </a:solidFill>
+                      <a:prstDash val="solid"/>
+                      <a:round/>
+                      <a:headEnd type="none" w="med" len="med"/>
+                      <a:tailEnd type="none" w="med" len="med"/>
+                    </a:lnR>
+                    <a:lnT w="6350" cap="flat" cmpd="sng" algn="ctr">
+                      <a:solidFill>
+                        <a:srgbClr val="000000"/>
+                      </a:solidFill>
+                      <a:prstDash val="solid"/>
+                      <a:round/>
+                      <a:headEnd type="none" w="med" len="med"/>
+                      <a:tailEnd type="none" w="med" len="med"/>
+                    </a:lnT>
+                    <a:lnB w="6350" cap="flat" cmpd="sng" algn="ctr">
+                      <a:solidFill>
+                        <a:srgbClr val="000000"/>
+                      </a:solidFill>
+                      <a:prstDash val="solid"/>
+                      <a:round/>
+                      <a:headEnd type="none" w="med" len="med"/>
+                      <a:tailEnd type="none" w="med" len="med"/>
+                    </a:lnB>
+                  </a:tcPr>
                 </a:tc>
                 <a:tc>
                   <a:txBody>
@@ -4666,24 +5328,55 @@
                     <a:p>
                       <a:pPr algn="ctr" fontAlgn="ctr"/>
                       <a:r>
-                        <a:rPr lang="en-US" sz="1100" u="none" strike="noStrike">
+                        <a:rPr lang="en-US" sz="1000" b="0" i="0" u="none" strike="noStrike">
                           <a:solidFill>
-                            <a:schemeClr val="tx2"/>
+                            <a:srgbClr val="000000"/>
                           </a:solidFill>
                           <a:effectLst/>
+                          <a:latin typeface="Calibri" panose="020F0502020204030204" pitchFamily="34" charset="0"/>
                         </a:rPr>
                         <a:t>Reliable as most of these systems use supervised approach.</a:t>
                       </a:r>
-                      <a:endParaRPr lang="en-US" sz="1100" b="0" i="0" u="none" strike="noStrike">
-                        <a:solidFill>
-                          <a:schemeClr val="tx2"/>
-                        </a:solidFill>
-                        <a:effectLst/>
-                        <a:latin typeface="Calibri" panose="020F0502020204030204" pitchFamily="34" charset="0"/>
-                      </a:endParaRPr>
                     </a:p>
                   </a:txBody>
-                  <a:tcPr marL="9525" marR="9525" marT="9525" marB="0" anchor="ctr"/>
+                  <a:tcPr marL="9065" marR="9065" marT="9065" marB="0" anchor="ctr">
+                    <a:lnL w="6350" cap="flat" cmpd="sng" algn="ctr">
+                      <a:solidFill>
+                        <a:srgbClr val="000000"/>
+                      </a:solidFill>
+                      <a:prstDash val="solid"/>
+                      <a:round/>
+                      <a:headEnd type="none" w="med" len="med"/>
+                      <a:tailEnd type="none" w="med" len="med"/>
+                    </a:lnL>
+                    <a:lnR w="6350" cap="flat" cmpd="sng" algn="ctr">
+                      <a:solidFill>
+                        <a:srgbClr val="000000"/>
+                      </a:solidFill>
+                      <a:prstDash val="solid"/>
+                      <a:round/>
+                      <a:headEnd type="none" w="med" len="med"/>
+                      <a:tailEnd type="none" w="med" len="med"/>
+                    </a:lnR>
+                    <a:lnT w="6350" cap="flat" cmpd="sng" algn="ctr">
+                      <a:solidFill>
+                        <a:srgbClr val="000000"/>
+                      </a:solidFill>
+                      <a:prstDash val="solid"/>
+                      <a:round/>
+                      <a:headEnd type="none" w="med" len="med"/>
+                      <a:tailEnd type="none" w="med" len="med"/>
+                    </a:lnT>
+                    <a:lnB w="6350" cap="flat" cmpd="sng" algn="ctr">
+                      <a:solidFill>
+                        <a:srgbClr val="000000"/>
+                      </a:solidFill>
+                      <a:prstDash val="solid"/>
+                      <a:round/>
+                      <a:headEnd type="none" w="med" len="med"/>
+                      <a:tailEnd type="none" w="med" len="med"/>
+                    </a:lnB>
+                  </a:tcPr>
                 </a:tc>
                 <a:tc>
                   <a:txBody>
@@ -4692,32 +5385,63 @@
                     <a:p>
                       <a:pPr algn="ctr" fontAlgn="ctr"/>
                       <a:r>
-                        <a:rPr lang="en-US" sz="1100" u="none" strike="noStrike">
+                        <a:rPr lang="en-US" sz="1000" b="0" i="0" u="none" strike="noStrike">
                           <a:solidFill>
-                            <a:schemeClr val="tx2"/>
+                            <a:srgbClr val="000000"/>
                           </a:solidFill>
                           <a:effectLst/>
+                          <a:latin typeface="Calibri" panose="020F0502020204030204" pitchFamily="34" charset="0"/>
                         </a:rPr>
                         <a:t>Depends on the validity of knowledge resource</a:t>
                       </a:r>
-                      <a:endParaRPr lang="en-US" sz="1100" b="0" i="0" u="none" strike="noStrike">
-                        <a:solidFill>
-                          <a:schemeClr val="tx2"/>
-                        </a:solidFill>
-                        <a:effectLst/>
-                        <a:latin typeface="Calibri" panose="020F0502020204030204" pitchFamily="34" charset="0"/>
-                      </a:endParaRPr>
                     </a:p>
                   </a:txBody>
-                  <a:tcPr marL="9525" marR="9525" marT="9525" marB="0" anchor="ctr"/>
+                  <a:tcPr marL="9065" marR="9065" marT="9065" marB="0" anchor="ctr">
+                    <a:lnL w="6350" cap="flat" cmpd="sng" algn="ctr">
+                      <a:solidFill>
+                        <a:srgbClr val="000000"/>
+                      </a:solidFill>
+                      <a:prstDash val="solid"/>
+                      <a:round/>
+                      <a:headEnd type="none" w="med" len="med"/>
+                      <a:tailEnd type="none" w="med" len="med"/>
+                    </a:lnL>
+                    <a:lnR w="6350" cap="flat" cmpd="sng" algn="ctr">
+                      <a:solidFill>
+                        <a:srgbClr val="000000"/>
+                      </a:solidFill>
+                      <a:prstDash val="solid"/>
+                      <a:round/>
+                      <a:headEnd type="none" w="med" len="med"/>
+                      <a:tailEnd type="none" w="med" len="med"/>
+                    </a:lnR>
+                    <a:lnT w="6350" cap="flat" cmpd="sng" algn="ctr">
+                      <a:solidFill>
+                        <a:srgbClr val="000000"/>
+                      </a:solidFill>
+                      <a:prstDash val="solid"/>
+                      <a:round/>
+                      <a:headEnd type="none" w="med" len="med"/>
+                      <a:tailEnd type="none" w="med" len="med"/>
+                    </a:lnT>
+                    <a:lnB w="6350" cap="flat" cmpd="sng" algn="ctr">
+                      <a:solidFill>
+                        <a:srgbClr val="000000"/>
+                      </a:solidFill>
+                      <a:prstDash val="solid"/>
+                      <a:round/>
+                      <a:headEnd type="none" w="med" len="med"/>
+                      <a:tailEnd type="none" w="med" len="med"/>
+                    </a:lnB>
+                  </a:tcPr>
                 </a:tc>
                 <a:extLst>
                   <a:ext uri="{0D108BD9-81ED-4DB2-BD59-A6C34878D82A}">
-                    <a16:rowId xmlns:a16="http://schemas.microsoft.com/office/drawing/2014/main" val="2833061772"/>
+                    <a16:rowId xmlns:a16="http://schemas.microsoft.com/office/drawing/2014/main" val="3467548440"/>
                   </a:ext>
                 </a:extLst>
               </a:tr>
-              <a:tr h="871726">
+              <a:tr h="708079">
                 <a:tc>
                   <a:txBody>
                     <a:bodyPr/>
@@ -4725,24 +5449,55 @@
                     <a:p>
                       <a:pPr algn="ctr" fontAlgn="ctr"/>
                       <a:r>
-                        <a:rPr lang="en-US" sz="1100" b="1" u="none" strike="noStrike">
+                        <a:rPr lang="en-US" sz="1000" b="0" i="0" u="none" strike="noStrike">
                           <a:solidFill>
-                            <a:schemeClr val="tx2"/>
+                            <a:srgbClr val="000000"/>
                           </a:solidFill>
                           <a:effectLst/>
+                          <a:latin typeface="Calibri" panose="020F0502020204030204" pitchFamily="34" charset="0"/>
                         </a:rPr>
                         <a:t>Scalability</a:t>
                       </a:r>
-                      <a:endParaRPr lang="en-US" sz="1100" b="1" i="0" u="none" strike="noStrike">
-                        <a:solidFill>
-                          <a:schemeClr val="tx2"/>
-                        </a:solidFill>
-                        <a:effectLst/>
-                        <a:latin typeface="Calibri" panose="020F0502020204030204" pitchFamily="34" charset="0"/>
-                      </a:endParaRPr>
                     </a:p>
                   </a:txBody>
-                  <a:tcPr marL="9525" marR="9525" marT="9525" marB="0" anchor="ctr"/>
+                  <a:tcPr marL="9065" marR="9065" marT="9065" marB="0" anchor="ctr">
+                    <a:lnL w="6350" cap="flat" cmpd="sng" algn="ctr">
+                      <a:solidFill>
+                        <a:srgbClr val="000000"/>
+                      </a:solidFill>
+                      <a:prstDash val="solid"/>
+                      <a:round/>
+                      <a:headEnd type="none" w="med" len="med"/>
+                      <a:tailEnd type="none" w="med" len="med"/>
+                    </a:lnL>
+                    <a:lnR w="6350" cap="flat" cmpd="sng" algn="ctr">
+                      <a:solidFill>
+                        <a:srgbClr val="000000"/>
+                      </a:solidFill>
+                      <a:prstDash val="solid"/>
+                      <a:round/>
+                      <a:headEnd type="none" w="med" len="med"/>
+                      <a:tailEnd type="none" w="med" len="med"/>
+                    </a:lnR>
+                    <a:lnT w="6350" cap="flat" cmpd="sng" algn="ctr">
+                      <a:solidFill>
+                        <a:srgbClr val="000000"/>
+                      </a:solidFill>
+                      <a:prstDash val="solid"/>
+                      <a:round/>
+                      <a:headEnd type="none" w="med" len="med"/>
+                      <a:tailEnd type="none" w="med" len="med"/>
+                    </a:lnT>
+                    <a:lnB w="6350" cap="flat" cmpd="sng" algn="ctr">
+                      <a:solidFill>
+                        <a:srgbClr val="000000"/>
+                      </a:solidFill>
+                      <a:prstDash val="solid"/>
+                      <a:round/>
+                      <a:headEnd type="none" w="med" len="med"/>
+                      <a:tailEnd type="none" w="med" len="med"/>
+                    </a:lnB>
+                  </a:tcPr>
                 </a:tc>
                 <a:tc>
                   <a:txBody>
@@ -4751,24 +5506,55 @@
                     <a:p>
                       <a:pPr algn="l" fontAlgn="b"/>
                       <a:r>
-                        <a:rPr lang="en-US" sz="1100" u="none" strike="noStrike">
+                        <a:rPr lang="en-US" sz="1000" b="0" i="0" u="none" strike="noStrike">
                           <a:solidFill>
-                            <a:schemeClr val="tx2"/>
+                            <a:srgbClr val="000000"/>
                           </a:solidFill>
                           <a:effectLst/>
+                          <a:latin typeface="Calibri" panose="020F0502020204030204" pitchFamily="34" charset="0"/>
                         </a:rPr>
                         <a:t>Quite complex as new rules have to be introduced in the knowledge base for every new concept</a:t>
                       </a:r>
-                      <a:endParaRPr lang="en-US" sz="1100" b="0" i="0" u="none" strike="noStrike">
-                        <a:solidFill>
-                          <a:schemeClr val="tx2"/>
-                        </a:solidFill>
-                        <a:effectLst/>
-                        <a:latin typeface="Calibri" panose="020F0502020204030204" pitchFamily="34" charset="0"/>
-                      </a:endParaRPr>
                     </a:p>
                   </a:txBody>
-                  <a:tcPr marL="9525" marR="9525" marT="9525" marB="0" anchor="b"/>
+                  <a:tcPr marL="9065" marR="9065" marT="9065" marB="0" anchor="b">
+                    <a:lnL w="6350" cap="flat" cmpd="sng" algn="ctr">
+                      <a:solidFill>
+                        <a:srgbClr val="000000"/>
+                      </a:solidFill>
+                      <a:prstDash val="solid"/>
+                      <a:round/>
+                      <a:headEnd type="none" w="med" len="med"/>
+                      <a:tailEnd type="none" w="med" len="med"/>
+                    </a:lnL>
+                    <a:lnR w="6350" cap="flat" cmpd="sng" algn="ctr">
+                      <a:solidFill>
+                        <a:srgbClr val="000000"/>
+                      </a:solidFill>
+                      <a:prstDash val="solid"/>
+                      <a:round/>
+                      <a:headEnd type="none" w="med" len="med"/>
+                      <a:tailEnd type="none" w="med" len="med"/>
+                    </a:lnR>
+                    <a:lnT w="6350" cap="flat" cmpd="sng" algn="ctr">
+                      <a:solidFill>
+                        <a:srgbClr val="000000"/>
+                      </a:solidFill>
+                      <a:prstDash val="solid"/>
+                      <a:round/>
+                      <a:headEnd type="none" w="med" len="med"/>
+                      <a:tailEnd type="none" w="med" len="med"/>
+                    </a:lnT>
+                    <a:lnB w="6350" cap="flat" cmpd="sng" algn="ctr">
+                      <a:solidFill>
+                        <a:srgbClr val="000000"/>
+                      </a:solidFill>
+                      <a:prstDash val="solid"/>
+                      <a:round/>
+                      <a:headEnd type="none" w="med" len="med"/>
+                      <a:tailEnd type="none" w="med" len="med"/>
+                    </a:lnB>
+                  </a:tcPr>
                 </a:tc>
                 <a:tc>
                   <a:txBody>
@@ -4777,24 +5563,55 @@
                     <a:p>
                       <a:pPr algn="ctr" fontAlgn="ctr"/>
                       <a:r>
-                        <a:rPr lang="en-US" sz="1100" u="none" strike="noStrike" dirty="0">
+                        <a:rPr lang="en-US" sz="1000" b="0" i="0" u="none" strike="noStrike">
                           <a:solidFill>
-                            <a:schemeClr val="tx2"/>
+                            <a:srgbClr val="000000"/>
                           </a:solidFill>
                           <a:effectLst/>
+                          <a:latin typeface="Calibri" panose="020F0502020204030204" pitchFamily="34" charset="0"/>
                         </a:rPr>
                         <a:t>Most suitable for handling large data once properly trained</a:t>
                       </a:r>
-                      <a:endParaRPr lang="en-US" sz="1100" b="0" i="0" u="none" strike="noStrike" dirty="0">
-                        <a:solidFill>
-                          <a:schemeClr val="tx2"/>
-                        </a:solidFill>
-                        <a:effectLst/>
-                        <a:latin typeface="Calibri" panose="020F0502020204030204" pitchFamily="34" charset="0"/>
-                      </a:endParaRPr>
                     </a:p>
                   </a:txBody>
-                  <a:tcPr marL="9525" marR="9525" marT="9525" marB="0" anchor="ctr"/>
+                  <a:tcPr marL="9065" marR="9065" marT="9065" marB="0" anchor="ctr">
+                    <a:lnL w="6350" cap="flat" cmpd="sng" algn="ctr">
+                      <a:solidFill>
+                        <a:srgbClr val="000000"/>
+                      </a:solidFill>
+                      <a:prstDash val="solid"/>
+                      <a:round/>
+                      <a:headEnd type="none" w="med" len="med"/>
+                      <a:tailEnd type="none" w="med" len="med"/>
+                    </a:lnL>
+                    <a:lnR w="6350" cap="flat" cmpd="sng" algn="ctr">
+                      <a:solidFill>
+                        <a:srgbClr val="000000"/>
+                      </a:solidFill>
+                      <a:prstDash val="solid"/>
+                      <a:round/>
+                      <a:headEnd type="none" w="med" len="med"/>
+                      <a:tailEnd type="none" w="med" len="med"/>
+                    </a:lnR>
+                    <a:lnT w="6350" cap="flat" cmpd="sng" algn="ctr">
+                      <a:solidFill>
+                        <a:srgbClr val="000000"/>
+                      </a:solidFill>
+                      <a:prstDash val="solid"/>
+                      <a:round/>
+                      <a:headEnd type="none" w="med" len="med"/>
+                      <a:tailEnd type="none" w="med" len="med"/>
+                    </a:lnT>
+                    <a:lnB w="6350" cap="flat" cmpd="sng" algn="ctr">
+                      <a:solidFill>
+                        <a:srgbClr val="000000"/>
+                      </a:solidFill>
+                      <a:prstDash val="solid"/>
+                      <a:round/>
+                      <a:headEnd type="none" w="med" len="med"/>
+                      <a:tailEnd type="none" w="med" len="med"/>
+                    </a:lnB>
+                  </a:tcPr>
                 </a:tc>
                 <a:tc>
                   <a:txBody>
@@ -4803,32 +5620,63 @@
                     <a:p>
                       <a:pPr algn="ctr" fontAlgn="ctr"/>
                       <a:r>
-                        <a:rPr lang="en-US" sz="1100" u="none" strike="noStrike">
+                        <a:rPr lang="en-US" sz="1000" b="0" i="0" u="none" strike="noStrike">
                           <a:solidFill>
-                            <a:schemeClr val="tx2"/>
+                            <a:srgbClr val="000000"/>
                           </a:solidFill>
                           <a:effectLst/>
+                          <a:latin typeface="Calibri" panose="020F0502020204030204" pitchFamily="34" charset="0"/>
                         </a:rPr>
                         <a:t>Less as new patterns have to be learned for each new concept.</a:t>
                       </a:r>
-                      <a:endParaRPr lang="en-US" sz="1100" b="0" i="0" u="none" strike="noStrike">
-                        <a:solidFill>
-                          <a:schemeClr val="tx2"/>
-                        </a:solidFill>
-                        <a:effectLst/>
-                        <a:latin typeface="Calibri" panose="020F0502020204030204" pitchFamily="34" charset="0"/>
-                      </a:endParaRPr>
                     </a:p>
                   </a:txBody>
-                  <a:tcPr marL="9525" marR="9525" marT="9525" marB="0" anchor="ctr"/>
+                  <a:tcPr marL="9065" marR="9065" marT="9065" marB="0" anchor="ctr">
+                    <a:lnL w="6350" cap="flat" cmpd="sng" algn="ctr">
+                      <a:solidFill>
+                        <a:srgbClr val="000000"/>
+                      </a:solidFill>
+                      <a:prstDash val="solid"/>
+                      <a:round/>
+                      <a:headEnd type="none" w="med" len="med"/>
+                      <a:tailEnd type="none" w="med" len="med"/>
+                    </a:lnL>
+                    <a:lnR w="6350" cap="flat" cmpd="sng" algn="ctr">
+                      <a:solidFill>
+                        <a:srgbClr val="000000"/>
+                      </a:solidFill>
+                      <a:prstDash val="solid"/>
+                      <a:round/>
+                      <a:headEnd type="none" w="med" len="med"/>
+                      <a:tailEnd type="none" w="med" len="med"/>
+                    </a:lnR>
+                    <a:lnT w="6350" cap="flat" cmpd="sng" algn="ctr">
+                      <a:solidFill>
+                        <a:srgbClr val="000000"/>
+                      </a:solidFill>
+                      <a:prstDash val="solid"/>
+                      <a:round/>
+                      <a:headEnd type="none" w="med" len="med"/>
+                      <a:tailEnd type="none" w="med" len="med"/>
+                    </a:lnT>
+                    <a:lnB w="6350" cap="flat" cmpd="sng" algn="ctr">
+                      <a:solidFill>
+                        <a:srgbClr val="000000"/>
+                      </a:solidFill>
+                      <a:prstDash val="solid"/>
+                      <a:round/>
+                      <a:headEnd type="none" w="med" len="med"/>
+                      <a:tailEnd type="none" w="med" len="med"/>
+                    </a:lnB>
+                  </a:tcPr>
                 </a:tc>
                 <a:extLst>
                   <a:ext uri="{0D108BD9-81ED-4DB2-BD59-A6C34878D82A}">
-                    <a16:rowId xmlns:a16="http://schemas.microsoft.com/office/drawing/2014/main" val="372656546"/>
+                    <a16:rowId xmlns:a16="http://schemas.microsoft.com/office/drawing/2014/main" val="287714106"/>
                   </a:ext>
                 </a:extLst>
               </a:tr>
-              <a:tr h="653795">
+              <a:tr h="531059">
                 <a:tc>
                   <a:txBody>
                     <a:bodyPr/>
@@ -4836,24 +5684,55 @@
                     <a:p>
                       <a:pPr algn="ctr" fontAlgn="ctr"/>
                       <a:r>
-                        <a:rPr lang="en-US" sz="1100" b="1" u="none" strike="noStrike">
+                        <a:rPr lang="en-US" sz="1000" b="0" i="0" u="none" strike="noStrike">
                           <a:solidFill>
-                            <a:schemeClr val="tx2"/>
+                            <a:srgbClr val="000000"/>
                           </a:solidFill>
                           <a:effectLst/>
+                          <a:latin typeface="Calibri" panose="020F0502020204030204" pitchFamily="34" charset="0"/>
                         </a:rPr>
                         <a:t>Evaluation Technique/Test Collections</a:t>
                       </a:r>
-                      <a:endParaRPr lang="en-US" sz="1100" b="1" i="0" u="none" strike="noStrike">
-                        <a:solidFill>
-                          <a:schemeClr val="tx2"/>
-                        </a:solidFill>
-                        <a:effectLst/>
-                        <a:latin typeface="Calibri" panose="020F0502020204030204" pitchFamily="34" charset="0"/>
-                      </a:endParaRPr>
                     </a:p>
                   </a:txBody>
-                  <a:tcPr marL="9525" marR="9525" marT="9525" marB="0" anchor="ctr"/>
+                  <a:tcPr marL="9065" marR="9065" marT="9065" marB="0" anchor="ctr">
+                    <a:lnL w="6350" cap="flat" cmpd="sng" algn="ctr">
+                      <a:solidFill>
+                        <a:srgbClr val="000000"/>
+                      </a:solidFill>
+                      <a:prstDash val="solid"/>
+                      <a:round/>
+                      <a:headEnd type="none" w="med" len="med"/>
+                      <a:tailEnd type="none" w="med" len="med"/>
+                    </a:lnL>
+                    <a:lnR w="6350" cap="flat" cmpd="sng" algn="ctr">
+                      <a:solidFill>
+                        <a:srgbClr val="000000"/>
+                      </a:solidFill>
+                      <a:prstDash val="solid"/>
+                      <a:round/>
+                      <a:headEnd type="none" w="med" len="med"/>
+                      <a:tailEnd type="none" w="med" len="med"/>
+                    </a:lnR>
+                    <a:lnT w="6350" cap="flat" cmpd="sng" algn="ctr">
+                      <a:solidFill>
+                        <a:srgbClr val="000000"/>
+                      </a:solidFill>
+                      <a:prstDash val="solid"/>
+                      <a:round/>
+                      <a:headEnd type="none" w="med" len="med"/>
+                      <a:tailEnd type="none" w="med" len="med"/>
+                    </a:lnT>
+                    <a:lnB w="6350" cap="flat" cmpd="sng" algn="ctr">
+                      <a:solidFill>
+                        <a:srgbClr val="000000"/>
+                      </a:solidFill>
+                      <a:prstDash val="solid"/>
+                      <a:round/>
+                      <a:headEnd type="none" w="med" len="med"/>
+                      <a:tailEnd type="none" w="med" len="med"/>
+                    </a:lnB>
+                  </a:tcPr>
                 </a:tc>
                 <a:tc>
                   <a:txBody>
@@ -4862,24 +5741,55 @@
                     <a:p>
                       <a:pPr algn="l" fontAlgn="b"/>
                       <a:r>
-                        <a:rPr lang="en-US" sz="1100" u="none" strike="noStrike">
+                        <a:rPr lang="en-US" sz="1000" b="0" i="0" u="none" strike="noStrike">
                           <a:solidFill>
-                            <a:schemeClr val="tx2"/>
+                            <a:srgbClr val="000000"/>
                           </a:solidFill>
                           <a:effectLst/>
+                          <a:latin typeface="Calibri" panose="020F0502020204030204" pitchFamily="34" charset="0"/>
                         </a:rPr>
                         <a:t>Domain specific manually developed test collections.</a:t>
                       </a:r>
-                      <a:endParaRPr lang="en-US" sz="1100" b="0" i="0" u="none" strike="noStrike">
-                        <a:solidFill>
-                          <a:schemeClr val="tx2"/>
-                        </a:solidFill>
-                        <a:effectLst/>
-                        <a:latin typeface="Calibri" panose="020F0502020204030204" pitchFamily="34" charset="0"/>
-                      </a:endParaRPr>
                     </a:p>
                   </a:txBody>
-                  <a:tcPr marL="9525" marR="9525" marT="9525" marB="0" anchor="b"/>
+                  <a:tcPr marL="9065" marR="9065" marT="9065" marB="0" anchor="b">
+                    <a:lnL w="6350" cap="flat" cmpd="sng" algn="ctr">
+                      <a:solidFill>
+                        <a:srgbClr val="000000"/>
+                      </a:solidFill>
+                      <a:prstDash val="solid"/>
+                      <a:round/>
+                      <a:headEnd type="none" w="med" len="med"/>
+                      <a:tailEnd type="none" w="med" len="med"/>
+                    </a:lnL>
+                    <a:lnR w="6350" cap="flat" cmpd="sng" algn="ctr">
+                      <a:solidFill>
+                        <a:srgbClr val="000000"/>
+                      </a:solidFill>
+                      <a:prstDash val="solid"/>
+                      <a:round/>
+                      <a:headEnd type="none" w="med" len="med"/>
+                      <a:tailEnd type="none" w="med" len="med"/>
+                    </a:lnR>
+                    <a:lnT w="6350" cap="flat" cmpd="sng" algn="ctr">
+                      <a:solidFill>
+                        <a:srgbClr val="000000"/>
+                      </a:solidFill>
+                      <a:prstDash val="solid"/>
+                      <a:round/>
+                      <a:headEnd type="none" w="med" len="med"/>
+                      <a:tailEnd type="none" w="med" len="med"/>
+                    </a:lnT>
+                    <a:lnB w="6350" cap="flat" cmpd="sng" algn="ctr">
+                      <a:solidFill>
+                        <a:srgbClr val="000000"/>
+                      </a:solidFill>
+                      <a:prstDash val="solid"/>
+                      <a:round/>
+                      <a:headEnd type="none" w="med" len="med"/>
+                      <a:tailEnd type="none" w="med" len="med"/>
+                    </a:lnB>
+                  </a:tcPr>
                 </a:tc>
                 <a:tc>
                   <a:txBody>
@@ -4888,24 +5798,55 @@
                     <a:p>
                       <a:pPr algn="ctr" fontAlgn="ctr"/>
                       <a:r>
-                        <a:rPr lang="en-US" sz="1100" u="none" strike="noStrike">
+                        <a:rPr lang="en-US" sz="1000" b="0" i="0" u="none" strike="noStrike">
                           <a:solidFill>
-                            <a:schemeClr val="tx2"/>
+                            <a:srgbClr val="000000"/>
                           </a:solidFill>
                           <a:effectLst/>
+                          <a:latin typeface="Calibri" panose="020F0502020204030204" pitchFamily="34" charset="0"/>
                         </a:rPr>
                         <a:t>TREC, CLEF, NTIRC test collections.</a:t>
                       </a:r>
-                      <a:endParaRPr lang="en-US" sz="1100" b="0" i="0" u="none" strike="noStrike">
-                        <a:solidFill>
-                          <a:schemeClr val="tx2"/>
-                        </a:solidFill>
-                        <a:effectLst/>
-                        <a:latin typeface="Calibri" panose="020F0502020204030204" pitchFamily="34" charset="0"/>
-                      </a:endParaRPr>
                     </a:p>
                   </a:txBody>
-                  <a:tcPr marL="9525" marR="9525" marT="9525" marB="0" anchor="ctr"/>
+                  <a:tcPr marL="9065" marR="9065" marT="9065" marB="0" anchor="ctr">
+                    <a:lnL w="6350" cap="flat" cmpd="sng" algn="ctr">
+                      <a:solidFill>
+                        <a:srgbClr val="000000"/>
+                      </a:solidFill>
+                      <a:prstDash val="solid"/>
+                      <a:round/>
+                      <a:headEnd type="none" w="med" len="med"/>
+                      <a:tailEnd type="none" w="med" len="med"/>
+                    </a:lnL>
+                    <a:lnR w="6350" cap="flat" cmpd="sng" algn="ctr">
+                      <a:solidFill>
+                        <a:srgbClr val="000000"/>
+                      </a:solidFill>
+                      <a:prstDash val="solid"/>
+                      <a:round/>
+                      <a:headEnd type="none" w="med" len="med"/>
+                      <a:tailEnd type="none" w="med" len="med"/>
+                    </a:lnR>
+                    <a:lnT w="6350" cap="flat" cmpd="sng" algn="ctr">
+                      <a:solidFill>
+                        <a:srgbClr val="000000"/>
+                      </a:solidFill>
+                      <a:prstDash val="solid"/>
+                      <a:round/>
+                      <a:headEnd type="none" w="med" len="med"/>
+                      <a:tailEnd type="none" w="med" len="med"/>
+                    </a:lnT>
+                    <a:lnB w="6350" cap="flat" cmpd="sng" algn="ctr">
+                      <a:solidFill>
+                        <a:srgbClr val="000000"/>
+                      </a:solidFill>
+                      <a:prstDash val="solid"/>
+                      <a:round/>
+                      <a:headEnd type="none" w="med" len="med"/>
+                      <a:tailEnd type="none" w="med" len="med"/>
+                    </a:lnB>
+                  </a:tcPr>
                 </a:tc>
                 <a:tc>
                   <a:txBody>
@@ -4914,32 +5855,63 @@
                     <a:p>
                       <a:pPr algn="ctr" fontAlgn="ctr"/>
                       <a:r>
-                        <a:rPr lang="en-US" sz="1100" u="none" strike="noStrike" dirty="0">
+                        <a:rPr lang="en-US" sz="1000" b="0" i="0" u="none" strike="noStrike">
                           <a:solidFill>
-                            <a:schemeClr val="tx2"/>
+                            <a:srgbClr val="000000"/>
                           </a:solidFill>
                           <a:effectLst/>
+                          <a:latin typeface="Calibri" panose="020F0502020204030204" pitchFamily="34" charset="0"/>
                         </a:rPr>
                         <a:t>Domain specific manually developed test collections.</a:t>
                       </a:r>
-                      <a:endParaRPr lang="en-US" sz="1100" b="0" i="0" u="none" strike="noStrike" dirty="0">
-                        <a:solidFill>
-                          <a:schemeClr val="tx2"/>
-                        </a:solidFill>
-                        <a:effectLst/>
-                        <a:latin typeface="Calibri" panose="020F0502020204030204" pitchFamily="34" charset="0"/>
-                      </a:endParaRPr>
                     </a:p>
                   </a:txBody>
-                  <a:tcPr marL="9525" marR="9525" marT="9525" marB="0" anchor="ctr"/>
+                  <a:tcPr marL="9065" marR="9065" marT="9065" marB="0" anchor="ctr">
+                    <a:lnL w="6350" cap="flat" cmpd="sng" algn="ctr">
+                      <a:solidFill>
+                        <a:srgbClr val="000000"/>
+                      </a:solidFill>
+                      <a:prstDash val="solid"/>
+                      <a:round/>
+                      <a:headEnd type="none" w="med" len="med"/>
+                      <a:tailEnd type="none" w="med" len="med"/>
+                    </a:lnL>
+                    <a:lnR w="6350" cap="flat" cmpd="sng" algn="ctr">
+                      <a:solidFill>
+                        <a:srgbClr val="000000"/>
+                      </a:solidFill>
+                      <a:prstDash val="solid"/>
+                      <a:round/>
+                      <a:headEnd type="none" w="med" len="med"/>
+                      <a:tailEnd type="none" w="med" len="med"/>
+                    </a:lnR>
+                    <a:lnT w="6350" cap="flat" cmpd="sng" algn="ctr">
+                      <a:solidFill>
+                        <a:srgbClr val="000000"/>
+                      </a:solidFill>
+                      <a:prstDash val="solid"/>
+                      <a:round/>
+                      <a:headEnd type="none" w="med" len="med"/>
+                      <a:tailEnd type="none" w="med" len="med"/>
+                    </a:lnT>
+                    <a:lnB w="6350" cap="flat" cmpd="sng" algn="ctr">
+                      <a:solidFill>
+                        <a:srgbClr val="000000"/>
+                      </a:solidFill>
+                      <a:prstDash val="solid"/>
+                      <a:round/>
+                      <a:headEnd type="none" w="med" len="med"/>
+                      <a:tailEnd type="none" w="med" len="med"/>
+                    </a:lnB>
+                  </a:tcPr>
                 </a:tc>
                 <a:extLst>
                   <a:ext uri="{0D108BD9-81ED-4DB2-BD59-A6C34878D82A}">
-                    <a16:rowId xmlns:a16="http://schemas.microsoft.com/office/drawing/2014/main" val="2240187741"/>
+                    <a16:rowId xmlns:a16="http://schemas.microsoft.com/office/drawing/2014/main" val="1319483943"/>
                   </a:ext>
                 </a:extLst>
               </a:tr>
-              <a:tr h="653795">
+              <a:tr h="531059">
                 <a:tc>
                   <a:txBody>
                     <a:bodyPr/>
@@ -4947,24 +5919,55 @@
                     <a:p>
                       <a:pPr algn="ctr" fontAlgn="ctr"/>
                       <a:r>
-                        <a:rPr lang="en-US" sz="1100" b="1" u="none" strike="noStrike" dirty="0">
+                        <a:rPr lang="en-US" sz="1000" b="0" i="0" u="none" strike="noStrike">
                           <a:solidFill>
-                            <a:schemeClr val="tx2"/>
+                            <a:srgbClr val="000000"/>
                           </a:solidFill>
                           <a:effectLst/>
+                          <a:latin typeface="Calibri" panose="020F0502020204030204" pitchFamily="34" charset="0"/>
                         </a:rPr>
                         <a:t>Application area</a:t>
                       </a:r>
-                      <a:endParaRPr lang="en-US" sz="1100" b="1" i="0" u="none" strike="noStrike" dirty="0">
-                        <a:solidFill>
-                          <a:schemeClr val="tx2"/>
-                        </a:solidFill>
-                        <a:effectLst/>
-                        <a:latin typeface="Calibri" panose="020F0502020204030204" pitchFamily="34" charset="0"/>
-                      </a:endParaRPr>
                     </a:p>
                   </a:txBody>
-                  <a:tcPr marL="9525" marR="9525" marT="9525" marB="0" anchor="ctr"/>
+                  <a:tcPr marL="9065" marR="9065" marT="9065" marB="0" anchor="ctr">
+                    <a:lnL w="6350" cap="flat" cmpd="sng" algn="ctr">
+                      <a:solidFill>
+                        <a:srgbClr val="000000"/>
+                      </a:solidFill>
+                      <a:prstDash val="solid"/>
+                      <a:round/>
+                      <a:headEnd type="none" w="med" len="med"/>
+                      <a:tailEnd type="none" w="med" len="med"/>
+                    </a:lnL>
+                    <a:lnR w="6350" cap="flat" cmpd="sng" algn="ctr">
+                      <a:solidFill>
+                        <a:srgbClr val="000000"/>
+                      </a:solidFill>
+                      <a:prstDash val="solid"/>
+                      <a:round/>
+                      <a:headEnd type="none" w="med" len="med"/>
+                      <a:tailEnd type="none" w="med" len="med"/>
+                    </a:lnR>
+                    <a:lnT w="6350" cap="flat" cmpd="sng" algn="ctr">
+                      <a:solidFill>
+                        <a:srgbClr val="000000"/>
+                      </a:solidFill>
+                      <a:prstDash val="solid"/>
+                      <a:round/>
+                      <a:headEnd type="none" w="med" len="med"/>
+                      <a:tailEnd type="none" w="med" len="med"/>
+                    </a:lnT>
+                    <a:lnB w="6350" cap="flat" cmpd="sng" algn="ctr">
+                      <a:solidFill>
+                        <a:srgbClr val="000000"/>
+                      </a:solidFill>
+                      <a:prstDash val="solid"/>
+                      <a:round/>
+                      <a:headEnd type="none" w="med" len="med"/>
+                      <a:tailEnd type="none" w="med" len="med"/>
+                    </a:lnB>
+                  </a:tcPr>
                 </a:tc>
                 <a:tc>
                   <a:txBody>
@@ -4973,24 +5976,55 @@
                     <a:p>
                       <a:pPr algn="l" fontAlgn="b"/>
                       <a:r>
-                        <a:rPr lang="en-US" sz="1100" u="none" strike="noStrike">
+                        <a:rPr lang="en-US" sz="1000" b="0" i="0" u="none" strike="noStrike">
                           <a:solidFill>
-                            <a:schemeClr val="tx2"/>
+                            <a:srgbClr val="000000"/>
                           </a:solidFill>
                           <a:effectLst/>
+                          <a:latin typeface="Calibri" panose="020F0502020204030204" pitchFamily="34" charset="0"/>
                         </a:rPr>
                         <a:t>Systems that have long term information needs for specific domains</a:t>
                       </a:r>
-                      <a:endParaRPr lang="en-US" sz="1100" b="0" i="0" u="none" strike="noStrike">
-                        <a:solidFill>
-                          <a:schemeClr val="tx2"/>
-                        </a:solidFill>
-                        <a:effectLst/>
-                        <a:latin typeface="Calibri" panose="020F0502020204030204" pitchFamily="34" charset="0"/>
-                      </a:endParaRPr>
                     </a:p>
                   </a:txBody>
-                  <a:tcPr marL="9525" marR="9525" marT="9525" marB="0" anchor="b"/>
+                  <a:tcPr marL="9065" marR="9065" marT="9065" marB="0" anchor="b">
+                    <a:lnL w="6350" cap="flat" cmpd="sng" algn="ctr">
+                      <a:solidFill>
+                        <a:srgbClr val="000000"/>
+                      </a:solidFill>
+                      <a:prstDash val="solid"/>
+                      <a:round/>
+                      <a:headEnd type="none" w="med" len="med"/>
+                      <a:tailEnd type="none" w="med" len="med"/>
+                    </a:lnL>
+                    <a:lnR w="6350" cap="flat" cmpd="sng" algn="ctr">
+                      <a:solidFill>
+                        <a:srgbClr val="000000"/>
+                      </a:solidFill>
+                      <a:prstDash val="solid"/>
+                      <a:round/>
+                      <a:headEnd type="none" w="med" len="med"/>
+                      <a:tailEnd type="none" w="med" len="med"/>
+                    </a:lnR>
+                    <a:lnT w="6350" cap="flat" cmpd="sng" algn="ctr">
+                      <a:solidFill>
+                        <a:srgbClr val="000000"/>
+                      </a:solidFill>
+                      <a:prstDash val="solid"/>
+                      <a:round/>
+                      <a:headEnd type="none" w="med" len="med"/>
+                      <a:tailEnd type="none" w="med" len="med"/>
+                    </a:lnT>
+                    <a:lnB w="6350" cap="flat" cmpd="sng" algn="ctr">
+                      <a:solidFill>
+                        <a:srgbClr val="000000"/>
+                      </a:solidFill>
+                      <a:prstDash val="solid"/>
+                      <a:round/>
+                      <a:headEnd type="none" w="med" len="med"/>
+                      <a:tailEnd type="none" w="med" len="med"/>
+                    </a:lnB>
+                  </a:tcPr>
                 </a:tc>
                 <a:tc>
                   <a:txBody>
@@ -4999,24 +6033,55 @@
                     <a:p>
                       <a:pPr algn="ctr" fontAlgn="ctr"/>
                       <a:r>
-                        <a:rPr lang="en-US" sz="1100" u="none" strike="noStrike">
+                        <a:rPr lang="en-US" sz="1000" b="0" i="0" u="none" strike="noStrike">
                           <a:solidFill>
-                            <a:schemeClr val="tx2"/>
+                            <a:srgbClr val="000000"/>
                           </a:solidFill>
                           <a:effectLst/>
+                          <a:latin typeface="Calibri" panose="020F0502020204030204" pitchFamily="34" charset="0"/>
                         </a:rPr>
                         <a:t>Quite suitable in handling large volume data e.g. web</a:t>
                       </a:r>
-                      <a:endParaRPr lang="en-US" sz="1100" b="0" i="0" u="none" strike="noStrike">
-                        <a:solidFill>
-                          <a:schemeClr val="tx2"/>
-                        </a:solidFill>
-                        <a:effectLst/>
-                        <a:latin typeface="Calibri" panose="020F0502020204030204" pitchFamily="34" charset="0"/>
-                      </a:endParaRPr>
                     </a:p>
                   </a:txBody>
-                  <a:tcPr marL="9525" marR="9525" marT="9525" marB="0" anchor="ctr"/>
+                  <a:tcPr marL="9065" marR="9065" marT="9065" marB="0" anchor="ctr">
+                    <a:lnL w="6350" cap="flat" cmpd="sng" algn="ctr">
+                      <a:solidFill>
+                        <a:srgbClr val="000000"/>
+                      </a:solidFill>
+                      <a:prstDash val="solid"/>
+                      <a:round/>
+                      <a:headEnd type="none" w="med" len="med"/>
+                      <a:tailEnd type="none" w="med" len="med"/>
+                    </a:lnL>
+                    <a:lnR w="6350" cap="flat" cmpd="sng" algn="ctr">
+                      <a:solidFill>
+                        <a:srgbClr val="000000"/>
+                      </a:solidFill>
+                      <a:prstDash val="solid"/>
+                      <a:round/>
+                      <a:headEnd type="none" w="med" len="med"/>
+                      <a:tailEnd type="none" w="med" len="med"/>
+                    </a:lnR>
+                    <a:lnT w="6350" cap="flat" cmpd="sng" algn="ctr">
+                      <a:solidFill>
+                        <a:srgbClr val="000000"/>
+                      </a:solidFill>
+                      <a:prstDash val="solid"/>
+                      <a:round/>
+                      <a:headEnd type="none" w="med" len="med"/>
+                      <a:tailEnd type="none" w="med" len="med"/>
+                    </a:lnT>
+                    <a:lnB w="6350" cap="flat" cmpd="sng" algn="ctr">
+                      <a:solidFill>
+                        <a:srgbClr val="000000"/>
+                      </a:solidFill>
+                      <a:prstDash val="solid"/>
+                      <a:round/>
+                      <a:headEnd type="none" w="med" len="med"/>
+                      <a:tailEnd type="none" w="med" len="med"/>
+                    </a:lnB>
+                  </a:tcPr>
                 </a:tc>
                 <a:tc>
                   <a:txBody>
@@ -5025,28 +6090,59 @@
                     <a:p>
                       <a:pPr algn="ctr" fontAlgn="ctr"/>
                       <a:r>
-                        <a:rPr lang="en-US" sz="1100" u="none" strike="noStrike" dirty="0">
+                        <a:rPr lang="en-US" sz="1000" b="0" i="0" u="none" strike="noStrike" dirty="0">
                           <a:solidFill>
-                            <a:schemeClr val="tx2"/>
+                            <a:srgbClr val="000000"/>
                           </a:solidFill>
                           <a:effectLst/>
+                          <a:latin typeface="Calibri" panose="020F0502020204030204" pitchFamily="34" charset="0"/>
                         </a:rPr>
                         <a:t>Best suits to small and medium size websites, Semantic web</a:t>
                       </a:r>
-                      <a:endParaRPr lang="en-US" sz="1100" b="0" i="0" u="none" strike="noStrike" dirty="0">
-                        <a:solidFill>
-                          <a:schemeClr val="tx2"/>
-                        </a:solidFill>
-                        <a:effectLst/>
-                        <a:latin typeface="Calibri" panose="020F0502020204030204" pitchFamily="34" charset="0"/>
-                      </a:endParaRPr>
                     </a:p>
                   </a:txBody>
-                  <a:tcPr marL="9525" marR="9525" marT="9525" marB="0" anchor="ctr"/>
+                  <a:tcPr marL="9065" marR="9065" marT="9065" marB="0" anchor="ctr">
+                    <a:lnL w="6350" cap="flat" cmpd="sng" algn="ctr">
+                      <a:solidFill>
+                        <a:srgbClr val="000000"/>
+                      </a:solidFill>
+                      <a:prstDash val="solid"/>
+                      <a:round/>
+                      <a:headEnd type="none" w="med" len="med"/>
+                      <a:tailEnd type="none" w="med" len="med"/>
+                    </a:lnL>
+                    <a:lnR w="6350" cap="flat" cmpd="sng" algn="ctr">
+                      <a:solidFill>
+                        <a:srgbClr val="000000"/>
+                      </a:solidFill>
+                      <a:prstDash val="solid"/>
+                      <a:round/>
+                      <a:headEnd type="none" w="med" len="med"/>
+                      <a:tailEnd type="none" w="med" len="med"/>
+                    </a:lnR>
+                    <a:lnT w="6350" cap="flat" cmpd="sng" algn="ctr">
+                      <a:solidFill>
+                        <a:srgbClr val="000000"/>
+                      </a:solidFill>
+                      <a:prstDash val="solid"/>
+                      <a:round/>
+                      <a:headEnd type="none" w="med" len="med"/>
+                      <a:tailEnd type="none" w="med" len="med"/>
+                    </a:lnT>
+                    <a:lnB w="6350" cap="flat" cmpd="sng" algn="ctr">
+                      <a:solidFill>
+                        <a:srgbClr val="000000"/>
+                      </a:solidFill>
+                      <a:prstDash val="solid"/>
+                      <a:round/>
+                      <a:headEnd type="none" w="med" len="med"/>
+                      <a:tailEnd type="none" w="med" len="med"/>
+                    </a:lnB>
+                  </a:tcPr>
                 </a:tc>
                 <a:extLst>
                   <a:ext uri="{0D108BD9-81ED-4DB2-BD59-A6C34878D82A}">
-                    <a16:rowId xmlns:a16="http://schemas.microsoft.com/office/drawing/2014/main" val="1018446472"/>
+                    <a16:rowId xmlns:a16="http://schemas.microsoft.com/office/drawing/2014/main" val="924019348"/>
                   </a:ext>
                 </a:extLst>
               </a:tr>
@@ -5353,6 +6449,1119 @@
 </file>
 
 <file path=ppt/slides/slide7.xml><?xml version="1.0" encoding="utf-8"?>
+<p:sld xmlns:a="http://schemas.openxmlformats.org/drawingml/2006/main" xmlns:r="http://schemas.openxmlformats.org/officeDocument/2006/relationships" xmlns:p="http://schemas.openxmlformats.org/presentationml/2006/main">
+  <p:cSld>
+    <p:spTree>
+      <p:nvGrpSpPr>
+        <p:cNvPr id="1" name=""/>
+        <p:cNvGrpSpPr/>
+        <p:nvPr/>
+      </p:nvGrpSpPr>
+      <p:grpSpPr>
+        <a:xfrm>
+          <a:off x="0" y="0"/>
+          <a:ext cx="0" cy="0"/>
+          <a:chOff x="0" y="0"/>
+          <a:chExt cx="0" cy="0"/>
+        </a:xfrm>
+      </p:grpSpPr>
+      <p:sp>
+        <p:nvSpPr>
+          <p:cNvPr id="2" name="Slide Number Placeholder 1"/>
+          <p:cNvSpPr>
+            <a:spLocks noGrp="1"/>
+          </p:cNvSpPr>
+          <p:nvPr>
+            <p:ph type="sldNum" sz="quarter" idx="12"/>
+          </p:nvPr>
+        </p:nvSpPr>
+        <p:spPr/>
+        <p:txBody>
+          <a:bodyPr/>
+          <a:lstStyle/>
+          <a:p>
+            <a:pPr>
+              <a:defRPr/>
+            </a:pPr>
+            <a:fld id="{C2920F72-E1A6-4A94-8A3F-841BF86CCDC4}" type="slidenum">
+              <a:rPr lang="en-US" smtClean="0"/>
+              <a:pPr>
+                <a:defRPr/>
+              </a:pPr>
+              <a:t>6</a:t>
+            </a:fld>
+            <a:endParaRPr lang="en-US" dirty="0"/>
+          </a:p>
+        </p:txBody>
+      </p:sp>
+      <p:sp>
+        <p:nvSpPr>
+          <p:cNvPr id="3" name="Title 2"/>
+          <p:cNvSpPr>
+            <a:spLocks noGrp="1"/>
+          </p:cNvSpPr>
+          <p:nvPr>
+            <p:ph type="title"/>
+          </p:nvPr>
+        </p:nvSpPr>
+        <p:spPr/>
+        <p:txBody>
+          <a:bodyPr/>
+          <a:lstStyle/>
+          <a:p>
+            <a:r>
+              <a:rPr lang="en-US" dirty="0" smtClean="0"/>
+              <a:t>General Architecture of QA</a:t>
+            </a:r>
+            <a:endParaRPr lang="en-US" dirty="0"/>
+          </a:p>
+        </p:txBody>
+      </p:sp>
+      <p:sp>
+        <p:nvSpPr>
+          <p:cNvPr id="4" name="Rectangle 3"/>
+          <p:cNvSpPr/>
+          <p:nvPr/>
+        </p:nvSpPr>
+        <p:spPr>
+          <a:xfrm>
+            <a:off x="392865" y="2564904"/>
+            <a:ext cx="1440160" cy="792088"/>
+          </a:xfrm>
+          <a:prstGeom prst="rect">
+            <a:avLst/>
+          </a:prstGeom>
+          <a:solidFill>
+            <a:schemeClr val="accent2">
+              <a:lumMod val="60000"/>
+              <a:lumOff val="40000"/>
+            </a:schemeClr>
+          </a:solidFill>
+          <a:ln>
+            <a:solidFill>
+              <a:schemeClr val="tx2"/>
+            </a:solidFill>
+          </a:ln>
+          <a:effectLst/>
+        </p:spPr>
+        <p:style>
+          <a:lnRef idx="1">
+            <a:schemeClr val="accent1"/>
+          </a:lnRef>
+          <a:fillRef idx="3">
+            <a:schemeClr val="accent1"/>
+          </a:fillRef>
+          <a:effectRef idx="2">
+            <a:schemeClr val="accent1"/>
+          </a:effectRef>
+          <a:fontRef idx="minor">
+            <a:schemeClr val="lt1"/>
+          </a:fontRef>
+        </p:style>
+        <p:txBody>
+          <a:bodyPr rtlCol="0" anchor="ctr"/>
+          <a:lstStyle/>
+          <a:p>
+            <a:pPr algn="ctr"/>
+            <a:r>
+              <a:rPr lang="en-US" sz="1200" dirty="0" smtClean="0">
+                <a:solidFill>
+                  <a:schemeClr val="tx2"/>
+                </a:solidFill>
+              </a:rPr>
+              <a:t>Selection Of Lexical Types</a:t>
+            </a:r>
+            <a:endParaRPr lang="en-US" sz="1200" dirty="0">
+              <a:solidFill>
+                <a:schemeClr val="tx2"/>
+              </a:solidFill>
+            </a:endParaRPr>
+          </a:p>
+        </p:txBody>
+      </p:sp>
+      <p:sp>
+        <p:nvSpPr>
+          <p:cNvPr id="5" name="Rectangle 4"/>
+          <p:cNvSpPr/>
+          <p:nvPr/>
+        </p:nvSpPr>
+        <p:spPr>
+          <a:xfrm>
+            <a:off x="2714293" y="5062638"/>
+            <a:ext cx="1440160" cy="792088"/>
+          </a:xfrm>
+          <a:prstGeom prst="rect">
+            <a:avLst/>
+          </a:prstGeom>
+          <a:solidFill>
+            <a:schemeClr val="bg2"/>
+          </a:solidFill>
+          <a:ln>
+            <a:solidFill>
+              <a:schemeClr val="tx2"/>
+            </a:solidFill>
+          </a:ln>
+          <a:effectLst/>
+        </p:spPr>
+        <p:style>
+          <a:lnRef idx="1">
+            <a:schemeClr val="accent1"/>
+          </a:lnRef>
+          <a:fillRef idx="3">
+            <a:schemeClr val="accent1"/>
+          </a:fillRef>
+          <a:effectRef idx="2">
+            <a:schemeClr val="accent1"/>
+          </a:effectRef>
+          <a:fontRef idx="minor">
+            <a:schemeClr val="lt1"/>
+          </a:fontRef>
+        </p:style>
+        <p:txBody>
+          <a:bodyPr rtlCol="0" anchor="ctr"/>
+          <a:lstStyle/>
+          <a:p>
+            <a:pPr lvl="0" algn="ctr"/>
+            <a:r>
+              <a:rPr lang="en-US" sz="1200" dirty="0" smtClean="0">
+                <a:solidFill>
+                  <a:srgbClr val="141414"/>
+                </a:solidFill>
+              </a:rPr>
+              <a:t>Answer Evaluation</a:t>
+            </a:r>
+            <a:endParaRPr lang="en-US" sz="1200" dirty="0">
+              <a:solidFill>
+                <a:srgbClr val="141414"/>
+              </a:solidFill>
+            </a:endParaRPr>
+          </a:p>
+        </p:txBody>
+      </p:sp>
+      <p:sp>
+        <p:nvSpPr>
+          <p:cNvPr id="7" name="Rectangle 6"/>
+          <p:cNvSpPr/>
+          <p:nvPr/>
+        </p:nvSpPr>
+        <p:spPr>
+          <a:xfrm>
+            <a:off x="2483768" y="2564904"/>
+            <a:ext cx="1440160" cy="792088"/>
+          </a:xfrm>
+          <a:prstGeom prst="rect">
+            <a:avLst/>
+          </a:prstGeom>
+          <a:solidFill>
+            <a:schemeClr val="accent2">
+              <a:lumMod val="60000"/>
+              <a:lumOff val="40000"/>
+            </a:schemeClr>
+          </a:solidFill>
+          <a:ln>
+            <a:solidFill>
+              <a:schemeClr val="tx2"/>
+            </a:solidFill>
+          </a:ln>
+          <a:effectLst/>
+        </p:spPr>
+        <p:style>
+          <a:lnRef idx="1">
+            <a:schemeClr val="accent1"/>
+          </a:lnRef>
+          <a:fillRef idx="3">
+            <a:schemeClr val="accent1"/>
+          </a:fillRef>
+          <a:effectRef idx="2">
+            <a:schemeClr val="accent1"/>
+          </a:effectRef>
+          <a:fontRef idx="minor">
+            <a:schemeClr val="lt1"/>
+          </a:fontRef>
+        </p:style>
+        <p:txBody>
+          <a:bodyPr rtlCol="0" anchor="ctr"/>
+          <a:lstStyle/>
+          <a:p>
+            <a:pPr algn="ctr"/>
+            <a:r>
+              <a:rPr lang="en-US" sz="1200" dirty="0" smtClean="0">
+                <a:solidFill>
+                  <a:schemeClr val="tx2"/>
+                </a:solidFill>
+              </a:rPr>
+              <a:t>Detecting Focus ,Selection of Clues &amp; Concepts</a:t>
+            </a:r>
+            <a:endParaRPr lang="en-US" sz="1200" dirty="0">
+              <a:solidFill>
+                <a:schemeClr val="tx2"/>
+              </a:solidFill>
+            </a:endParaRPr>
+          </a:p>
+        </p:txBody>
+      </p:sp>
+      <p:sp>
+        <p:nvSpPr>
+          <p:cNvPr id="8" name="Rectangle 7"/>
+          <p:cNvSpPr/>
+          <p:nvPr/>
+        </p:nvSpPr>
+        <p:spPr>
+          <a:xfrm>
+            <a:off x="4972147" y="1315990"/>
+            <a:ext cx="1440160" cy="792088"/>
+          </a:xfrm>
+          <a:prstGeom prst="rect">
+            <a:avLst/>
+          </a:prstGeom>
+          <a:solidFill>
+            <a:schemeClr val="accent3">
+              <a:lumMod val="60000"/>
+              <a:lumOff val="40000"/>
+            </a:schemeClr>
+          </a:solidFill>
+          <a:ln>
+            <a:solidFill>
+              <a:schemeClr val="tx2"/>
+            </a:solidFill>
+          </a:ln>
+          <a:effectLst/>
+        </p:spPr>
+        <p:style>
+          <a:lnRef idx="1">
+            <a:schemeClr val="accent1"/>
+          </a:lnRef>
+          <a:fillRef idx="3">
+            <a:schemeClr val="accent1"/>
+          </a:fillRef>
+          <a:effectRef idx="2">
+            <a:schemeClr val="accent1"/>
+          </a:effectRef>
+          <a:fontRef idx="minor">
+            <a:schemeClr val="lt1"/>
+          </a:fontRef>
+        </p:style>
+        <p:txBody>
+          <a:bodyPr rtlCol="0" anchor="ctr"/>
+          <a:lstStyle/>
+          <a:p>
+            <a:pPr algn="ctr"/>
+            <a:r>
+              <a:rPr lang="en-US" sz="1200" dirty="0" smtClean="0">
+                <a:solidFill>
+                  <a:schemeClr val="tx2"/>
+                </a:solidFill>
+              </a:rPr>
+              <a:t>Text Search</a:t>
+            </a:r>
+            <a:endParaRPr lang="en-US" sz="1200" dirty="0">
+              <a:solidFill>
+                <a:schemeClr val="tx2"/>
+              </a:solidFill>
+            </a:endParaRPr>
+          </a:p>
+        </p:txBody>
+      </p:sp>
+      <p:sp>
+        <p:nvSpPr>
+          <p:cNvPr id="9" name="Rectangle 8"/>
+          <p:cNvSpPr/>
+          <p:nvPr/>
+        </p:nvSpPr>
+        <p:spPr>
+          <a:xfrm>
+            <a:off x="4972147" y="3873513"/>
+            <a:ext cx="1440160" cy="792088"/>
+          </a:xfrm>
+          <a:prstGeom prst="rect">
+            <a:avLst/>
+          </a:prstGeom>
+          <a:solidFill>
+            <a:schemeClr val="accent2">
+              <a:lumMod val="60000"/>
+              <a:lumOff val="40000"/>
+            </a:schemeClr>
+          </a:solidFill>
+          <a:ln>
+            <a:solidFill>
+              <a:schemeClr val="tx2"/>
+            </a:solidFill>
+          </a:ln>
+          <a:effectLst/>
+        </p:spPr>
+        <p:style>
+          <a:lnRef idx="1">
+            <a:schemeClr val="accent1"/>
+          </a:lnRef>
+          <a:fillRef idx="3">
+            <a:schemeClr val="accent1"/>
+          </a:fillRef>
+          <a:effectRef idx="2">
+            <a:schemeClr val="accent1"/>
+          </a:effectRef>
+          <a:fontRef idx="minor">
+            <a:schemeClr val="lt1"/>
+          </a:fontRef>
+        </p:style>
+        <p:txBody>
+          <a:bodyPr rtlCol="0" anchor="ctr"/>
+          <a:lstStyle/>
+          <a:p>
+            <a:pPr lvl="0" algn="ctr"/>
+            <a:r>
+              <a:rPr lang="en-US" sz="1200" dirty="0">
+                <a:solidFill>
+                  <a:srgbClr val="141414"/>
+                </a:solidFill>
+              </a:rPr>
+              <a:t>Selection Of Lexical Types</a:t>
+            </a:r>
+            <a:endParaRPr lang="en-US" sz="1200" dirty="0">
+              <a:solidFill>
+                <a:srgbClr val="141414"/>
+              </a:solidFill>
+            </a:endParaRPr>
+          </a:p>
+        </p:txBody>
+      </p:sp>
+      <p:sp>
+        <p:nvSpPr>
+          <p:cNvPr id="10" name="Rectangle 9"/>
+          <p:cNvSpPr/>
+          <p:nvPr/>
+        </p:nvSpPr>
+        <p:spPr>
+          <a:xfrm>
+            <a:off x="2714293" y="3889971"/>
+            <a:ext cx="1440160" cy="792088"/>
+          </a:xfrm>
+          <a:prstGeom prst="rect">
+            <a:avLst/>
+          </a:prstGeom>
+          <a:solidFill>
+            <a:schemeClr val="bg2"/>
+          </a:solidFill>
+          <a:ln>
+            <a:solidFill>
+              <a:schemeClr val="tx2"/>
+            </a:solidFill>
+          </a:ln>
+          <a:effectLst/>
+        </p:spPr>
+        <p:style>
+          <a:lnRef idx="1">
+            <a:schemeClr val="accent1"/>
+          </a:lnRef>
+          <a:fillRef idx="3">
+            <a:schemeClr val="accent1"/>
+          </a:fillRef>
+          <a:effectRef idx="2">
+            <a:schemeClr val="accent1"/>
+          </a:effectRef>
+          <a:fontRef idx="minor">
+            <a:schemeClr val="lt1"/>
+          </a:fontRef>
+        </p:style>
+        <p:txBody>
+          <a:bodyPr rtlCol="0" anchor="ctr"/>
+          <a:lstStyle/>
+          <a:p>
+            <a:pPr lvl="0" algn="ctr"/>
+            <a:r>
+              <a:rPr lang="en-US" sz="1200" dirty="0" smtClean="0">
+                <a:solidFill>
+                  <a:srgbClr val="141414"/>
+                </a:solidFill>
+              </a:rPr>
+              <a:t>Comparison of lexical types</a:t>
+            </a:r>
+            <a:endParaRPr lang="en-US" sz="1200" dirty="0">
+              <a:solidFill>
+                <a:srgbClr val="141414"/>
+              </a:solidFill>
+            </a:endParaRPr>
+          </a:p>
+        </p:txBody>
+      </p:sp>
+      <p:sp>
+        <p:nvSpPr>
+          <p:cNvPr id="11" name="Rectangle 10"/>
+          <p:cNvSpPr/>
+          <p:nvPr/>
+        </p:nvSpPr>
+        <p:spPr>
+          <a:xfrm>
+            <a:off x="1632386" y="1069901"/>
+            <a:ext cx="1440160" cy="792088"/>
+          </a:xfrm>
+          <a:prstGeom prst="rect">
+            <a:avLst/>
+          </a:prstGeom>
+          <a:solidFill>
+            <a:schemeClr val="accent2">
+              <a:lumMod val="60000"/>
+              <a:lumOff val="40000"/>
+            </a:schemeClr>
+          </a:solidFill>
+          <a:ln>
+            <a:solidFill>
+              <a:schemeClr val="tx2"/>
+            </a:solidFill>
+          </a:ln>
+          <a:effectLst/>
+        </p:spPr>
+        <p:style>
+          <a:lnRef idx="1">
+            <a:schemeClr val="accent1"/>
+          </a:lnRef>
+          <a:fillRef idx="3">
+            <a:schemeClr val="accent1"/>
+          </a:fillRef>
+          <a:effectRef idx="2">
+            <a:schemeClr val="accent1"/>
+          </a:effectRef>
+          <a:fontRef idx="minor">
+            <a:schemeClr val="lt1"/>
+          </a:fontRef>
+        </p:style>
+        <p:txBody>
+          <a:bodyPr rtlCol="0" anchor="ctr"/>
+          <a:lstStyle/>
+          <a:p>
+            <a:pPr lvl="0" algn="ctr"/>
+            <a:r>
+              <a:rPr lang="en-US" sz="1200" dirty="0" smtClean="0">
+                <a:solidFill>
+                  <a:srgbClr val="141414"/>
+                </a:solidFill>
+              </a:rPr>
+              <a:t>Morphological Parser</a:t>
+            </a:r>
+            <a:endParaRPr lang="en-US" sz="1200" dirty="0">
+              <a:solidFill>
+                <a:srgbClr val="141414"/>
+              </a:solidFill>
+            </a:endParaRPr>
+          </a:p>
+        </p:txBody>
+      </p:sp>
+      <p:sp>
+        <p:nvSpPr>
+          <p:cNvPr id="12" name="Rectangle 11"/>
+          <p:cNvSpPr/>
+          <p:nvPr/>
+        </p:nvSpPr>
+        <p:spPr>
+          <a:xfrm>
+            <a:off x="5004048" y="2626060"/>
+            <a:ext cx="1440160" cy="792088"/>
+          </a:xfrm>
+          <a:prstGeom prst="rect">
+            <a:avLst/>
+          </a:prstGeom>
+          <a:solidFill>
+            <a:schemeClr val="accent1">
+              <a:lumMod val="40000"/>
+              <a:lumOff val="60000"/>
+            </a:schemeClr>
+          </a:solidFill>
+          <a:ln>
+            <a:solidFill>
+              <a:schemeClr val="tx2"/>
+            </a:solidFill>
+          </a:ln>
+          <a:effectLst/>
+        </p:spPr>
+        <p:style>
+          <a:lnRef idx="1">
+            <a:schemeClr val="accent1"/>
+          </a:lnRef>
+          <a:fillRef idx="3">
+            <a:schemeClr val="accent1"/>
+          </a:fillRef>
+          <a:effectRef idx="2">
+            <a:schemeClr val="accent1"/>
+          </a:effectRef>
+          <a:fontRef idx="minor">
+            <a:schemeClr val="lt1"/>
+          </a:fontRef>
+        </p:style>
+        <p:txBody>
+          <a:bodyPr rtlCol="0" anchor="ctr"/>
+          <a:lstStyle/>
+          <a:p>
+            <a:pPr algn="ctr"/>
+            <a:r>
+              <a:rPr lang="en-US" sz="1200" dirty="0" smtClean="0">
+                <a:solidFill>
+                  <a:schemeClr val="tx2"/>
+                </a:solidFill>
+              </a:rPr>
+              <a:t>Search in Knowledge Bases</a:t>
+            </a:r>
+            <a:endParaRPr lang="en-US" sz="1200" dirty="0">
+              <a:solidFill>
+                <a:schemeClr val="tx2"/>
+              </a:solidFill>
+            </a:endParaRPr>
+          </a:p>
+        </p:txBody>
+      </p:sp>
+      <p:sp>
+        <p:nvSpPr>
+          <p:cNvPr id="13" name="Rectangle 12"/>
+          <p:cNvSpPr/>
+          <p:nvPr/>
+        </p:nvSpPr>
+        <p:spPr>
+          <a:xfrm>
+            <a:off x="7020272" y="3493927"/>
+            <a:ext cx="1440160" cy="792088"/>
+          </a:xfrm>
+          <a:prstGeom prst="rect">
+            <a:avLst/>
+          </a:prstGeom>
+          <a:solidFill>
+            <a:schemeClr val="accent2">
+              <a:lumMod val="60000"/>
+              <a:lumOff val="40000"/>
+            </a:schemeClr>
+          </a:solidFill>
+          <a:ln>
+            <a:solidFill>
+              <a:schemeClr val="tx2"/>
+            </a:solidFill>
+          </a:ln>
+          <a:effectLst/>
+        </p:spPr>
+        <p:style>
+          <a:lnRef idx="1">
+            <a:schemeClr val="accent1"/>
+          </a:lnRef>
+          <a:fillRef idx="3">
+            <a:schemeClr val="accent1"/>
+          </a:fillRef>
+          <a:effectRef idx="2">
+            <a:schemeClr val="accent1"/>
+          </a:effectRef>
+          <a:fontRef idx="minor">
+            <a:schemeClr val="lt1"/>
+          </a:fontRef>
+        </p:style>
+        <p:txBody>
+          <a:bodyPr rtlCol="0" anchor="ctr"/>
+          <a:lstStyle/>
+          <a:p>
+            <a:pPr lvl="0" algn="ctr"/>
+            <a:r>
+              <a:rPr lang="en-US" sz="1200" dirty="0" smtClean="0">
+                <a:solidFill>
+                  <a:srgbClr val="141414"/>
+                </a:solidFill>
+              </a:rPr>
+              <a:t>Morphological Parser</a:t>
+            </a:r>
+            <a:endParaRPr lang="en-US" sz="1200" dirty="0">
+              <a:solidFill>
+                <a:srgbClr val="141414"/>
+              </a:solidFill>
+            </a:endParaRPr>
+          </a:p>
+        </p:txBody>
+      </p:sp>
+      <p:sp>
+        <p:nvSpPr>
+          <p:cNvPr id="14" name="Flowchart: Data 13"/>
+          <p:cNvSpPr/>
+          <p:nvPr/>
+        </p:nvSpPr>
+        <p:spPr>
+          <a:xfrm>
+            <a:off x="6948264" y="2321260"/>
+            <a:ext cx="1760093" cy="709865"/>
+          </a:xfrm>
+          <a:prstGeom prst="flowChartInputOutput">
+            <a:avLst/>
+          </a:prstGeom>
+          <a:solidFill>
+            <a:schemeClr val="accent6">
+              <a:lumMod val="60000"/>
+              <a:lumOff val="40000"/>
+            </a:schemeClr>
+          </a:solidFill>
+          <a:ln>
+            <a:solidFill>
+              <a:schemeClr val="tx2"/>
+            </a:solidFill>
+          </a:ln>
+          <a:effectLst/>
+        </p:spPr>
+        <p:style>
+          <a:lnRef idx="1">
+            <a:schemeClr val="accent1"/>
+          </a:lnRef>
+          <a:fillRef idx="3">
+            <a:schemeClr val="accent1"/>
+          </a:fillRef>
+          <a:effectRef idx="2">
+            <a:schemeClr val="accent1"/>
+          </a:effectRef>
+          <a:fontRef idx="minor">
+            <a:schemeClr val="lt1"/>
+          </a:fontRef>
+        </p:style>
+        <p:txBody>
+          <a:bodyPr rtlCol="0" anchor="ctr"/>
+          <a:lstStyle/>
+          <a:p>
+            <a:pPr algn="ctr"/>
+            <a:r>
+              <a:rPr lang="en-US" sz="1200" dirty="0" smtClean="0">
+                <a:solidFill>
+                  <a:schemeClr val="tx2"/>
+                </a:solidFill>
+              </a:rPr>
+              <a:t>Answer Analysis &amp; Candidates </a:t>
+            </a:r>
+            <a:r>
+              <a:rPr lang="en-US" sz="1200" dirty="0" err="1" smtClean="0">
+                <a:solidFill>
+                  <a:schemeClr val="tx2"/>
+                </a:solidFill>
+              </a:rPr>
+              <a:t>Generaion</a:t>
+            </a:r>
+            <a:endParaRPr lang="en-US" sz="1200" dirty="0">
+              <a:solidFill>
+                <a:schemeClr val="tx2"/>
+              </a:solidFill>
+            </a:endParaRPr>
+          </a:p>
+        </p:txBody>
+      </p:sp>
+      <p:cxnSp>
+        <p:nvCxnSpPr>
+          <p:cNvPr id="20" name="Elbow Connector 19"/>
+          <p:cNvCxnSpPr>
+            <a:stCxn id="4" idx="2"/>
+          </p:cNvCxnSpPr>
+          <p:nvPr/>
+        </p:nvCxnSpPr>
+        <p:spPr>
+          <a:xfrm rot="16200000" flipH="1">
+            <a:off x="1537628" y="2932308"/>
+            <a:ext cx="720082" cy="1569449"/>
+          </a:xfrm>
+          <a:prstGeom prst="bentConnector2">
+            <a:avLst/>
+          </a:prstGeom>
+          <a:ln>
+            <a:solidFill>
+              <a:schemeClr val="tx2"/>
+            </a:solidFill>
+            <a:tailEnd type="triangle"/>
+          </a:ln>
+        </p:spPr>
+        <p:style>
+          <a:lnRef idx="1">
+            <a:schemeClr val="dk1"/>
+          </a:lnRef>
+          <a:fillRef idx="0">
+            <a:schemeClr val="dk1"/>
+          </a:fillRef>
+          <a:effectRef idx="0">
+            <a:schemeClr val="dk1"/>
+          </a:effectRef>
+          <a:fontRef idx="minor">
+            <a:schemeClr val="tx1"/>
+          </a:fontRef>
+        </p:style>
+      </p:cxnSp>
+      <p:cxnSp>
+        <p:nvCxnSpPr>
+          <p:cNvPr id="22" name="Elbow Connector 21"/>
+          <p:cNvCxnSpPr/>
+          <p:nvPr/>
+        </p:nvCxnSpPr>
+        <p:spPr>
+          <a:xfrm rot="16200000" flipH="1">
+            <a:off x="2217926" y="1996529"/>
+            <a:ext cx="630907" cy="361827"/>
+          </a:xfrm>
+          <a:prstGeom prst="bentConnector3">
+            <a:avLst/>
+          </a:prstGeom>
+          <a:ln>
+            <a:solidFill>
+              <a:schemeClr val="tx2"/>
+            </a:solidFill>
+            <a:tailEnd type="triangle"/>
+          </a:ln>
+        </p:spPr>
+        <p:style>
+          <a:lnRef idx="1">
+            <a:schemeClr val="accent6"/>
+          </a:lnRef>
+          <a:fillRef idx="0">
+            <a:schemeClr val="accent6"/>
+          </a:fillRef>
+          <a:effectRef idx="0">
+            <a:schemeClr val="accent6"/>
+          </a:effectRef>
+          <a:fontRef idx="minor">
+            <a:schemeClr val="tx1"/>
+          </a:fontRef>
+        </p:style>
+      </p:cxnSp>
+      <p:cxnSp>
+        <p:nvCxnSpPr>
+          <p:cNvPr id="28" name="Elbow Connector 27"/>
+          <p:cNvCxnSpPr/>
+          <p:nvPr/>
+        </p:nvCxnSpPr>
+        <p:spPr>
+          <a:xfrm rot="5400000">
+            <a:off x="1381249" y="1576522"/>
+            <a:ext cx="702915" cy="1239521"/>
+          </a:xfrm>
+          <a:prstGeom prst="bentConnector3">
+            <a:avLst/>
+          </a:prstGeom>
+          <a:ln>
+            <a:solidFill>
+              <a:schemeClr val="tx2"/>
+            </a:solidFill>
+            <a:tailEnd type="triangle"/>
+          </a:ln>
+        </p:spPr>
+        <p:style>
+          <a:lnRef idx="1">
+            <a:schemeClr val="accent6"/>
+          </a:lnRef>
+          <a:fillRef idx="0">
+            <a:schemeClr val="accent6"/>
+          </a:fillRef>
+          <a:effectRef idx="0">
+            <a:schemeClr val="accent6"/>
+          </a:effectRef>
+          <a:fontRef idx="minor">
+            <a:schemeClr val="tx1"/>
+          </a:fontRef>
+        </p:style>
+      </p:cxnSp>
+      <p:cxnSp>
+        <p:nvCxnSpPr>
+          <p:cNvPr id="30" name="Elbow Connector 29"/>
+          <p:cNvCxnSpPr>
+            <a:stCxn id="7" idx="3"/>
+            <a:endCxn id="8" idx="1"/>
+          </p:cNvCxnSpPr>
+          <p:nvPr/>
+        </p:nvCxnSpPr>
+        <p:spPr>
+          <a:xfrm flipV="1">
+            <a:off x="3923928" y="1712034"/>
+            <a:ext cx="1048219" cy="1248914"/>
+          </a:xfrm>
+          <a:prstGeom prst="bentConnector3">
+            <a:avLst/>
+          </a:prstGeom>
+          <a:ln>
+            <a:solidFill>
+              <a:schemeClr val="tx2"/>
+            </a:solidFill>
+            <a:tailEnd type="triangle"/>
+          </a:ln>
+        </p:spPr>
+        <p:style>
+          <a:lnRef idx="1">
+            <a:schemeClr val="accent6"/>
+          </a:lnRef>
+          <a:fillRef idx="0">
+            <a:schemeClr val="accent6"/>
+          </a:fillRef>
+          <a:effectRef idx="0">
+            <a:schemeClr val="accent6"/>
+          </a:effectRef>
+          <a:fontRef idx="minor">
+            <a:schemeClr val="tx1"/>
+          </a:fontRef>
+        </p:style>
+      </p:cxnSp>
+      <p:cxnSp>
+        <p:nvCxnSpPr>
+          <p:cNvPr id="32" name="Elbow Connector 31"/>
+          <p:cNvCxnSpPr>
+            <a:stCxn id="7" idx="3"/>
+          </p:cNvCxnSpPr>
+          <p:nvPr/>
+        </p:nvCxnSpPr>
+        <p:spPr>
+          <a:xfrm>
+            <a:off x="3923928" y="2960948"/>
+            <a:ext cx="1080120" cy="289707"/>
+          </a:xfrm>
+          <a:prstGeom prst="bentConnector3">
+            <a:avLst/>
+          </a:prstGeom>
+          <a:ln>
+            <a:solidFill>
+              <a:schemeClr val="tx2"/>
+            </a:solidFill>
+            <a:tailEnd type="triangle"/>
+          </a:ln>
+        </p:spPr>
+        <p:style>
+          <a:lnRef idx="1">
+            <a:schemeClr val="accent6"/>
+          </a:lnRef>
+          <a:fillRef idx="0">
+            <a:schemeClr val="accent6"/>
+          </a:fillRef>
+          <a:effectRef idx="0">
+            <a:schemeClr val="accent6"/>
+          </a:effectRef>
+          <a:fontRef idx="minor">
+            <a:schemeClr val="tx1"/>
+          </a:fontRef>
+        </p:style>
+      </p:cxnSp>
+      <p:cxnSp>
+        <p:nvCxnSpPr>
+          <p:cNvPr id="34" name="Straight Arrow Connector 33"/>
+          <p:cNvCxnSpPr/>
+          <p:nvPr/>
+        </p:nvCxnSpPr>
+        <p:spPr>
+          <a:xfrm flipH="1">
+            <a:off x="6444208" y="4077072"/>
+            <a:ext cx="576064" cy="0"/>
+          </a:xfrm>
+          <a:prstGeom prst="straightConnector1">
+            <a:avLst/>
+          </a:prstGeom>
+          <a:ln>
+            <a:solidFill>
+              <a:schemeClr val="tx2"/>
+            </a:solidFill>
+            <a:tailEnd type="triangle"/>
+          </a:ln>
+        </p:spPr>
+        <p:style>
+          <a:lnRef idx="1">
+            <a:schemeClr val="accent6"/>
+          </a:lnRef>
+          <a:fillRef idx="0">
+            <a:schemeClr val="accent6"/>
+          </a:fillRef>
+          <a:effectRef idx="0">
+            <a:schemeClr val="accent6"/>
+          </a:effectRef>
+          <a:fontRef idx="minor">
+            <a:schemeClr val="tx1"/>
+          </a:fontRef>
+        </p:style>
+      </p:cxnSp>
+      <p:cxnSp>
+        <p:nvCxnSpPr>
+          <p:cNvPr id="36" name="Straight Arrow Connector 35"/>
+          <p:cNvCxnSpPr/>
+          <p:nvPr/>
+        </p:nvCxnSpPr>
+        <p:spPr>
+          <a:xfrm flipH="1">
+            <a:off x="4154453" y="4077072"/>
+            <a:ext cx="817694" cy="0"/>
+          </a:xfrm>
+          <a:prstGeom prst="straightConnector1">
+            <a:avLst/>
+          </a:prstGeom>
+          <a:ln>
+            <a:solidFill>
+              <a:schemeClr val="tx2"/>
+            </a:solidFill>
+            <a:tailEnd type="triangle"/>
+          </a:ln>
+        </p:spPr>
+        <p:style>
+          <a:lnRef idx="1">
+            <a:schemeClr val="accent6"/>
+          </a:lnRef>
+          <a:fillRef idx="0">
+            <a:schemeClr val="accent6"/>
+          </a:fillRef>
+          <a:effectRef idx="0">
+            <a:schemeClr val="accent6"/>
+          </a:effectRef>
+          <a:fontRef idx="minor">
+            <a:schemeClr val="tx1"/>
+          </a:fontRef>
+        </p:style>
+      </p:cxnSp>
+      <p:cxnSp>
+        <p:nvCxnSpPr>
+          <p:cNvPr id="38" name="Straight Arrow Connector 37"/>
+          <p:cNvCxnSpPr>
+            <a:stCxn id="10" idx="2"/>
+            <a:endCxn id="5" idx="0"/>
+          </p:cNvCxnSpPr>
+          <p:nvPr/>
+        </p:nvCxnSpPr>
+        <p:spPr>
+          <a:xfrm>
+            <a:off x="3434373" y="4682059"/>
+            <a:ext cx="0" cy="380579"/>
+          </a:xfrm>
+          <a:prstGeom prst="straightConnector1">
+            <a:avLst/>
+          </a:prstGeom>
+          <a:ln>
+            <a:solidFill>
+              <a:schemeClr val="tx2"/>
+            </a:solidFill>
+            <a:tailEnd type="triangle"/>
+          </a:ln>
+        </p:spPr>
+        <p:style>
+          <a:lnRef idx="1">
+            <a:schemeClr val="accent6"/>
+          </a:lnRef>
+          <a:fillRef idx="0">
+            <a:schemeClr val="accent6"/>
+          </a:fillRef>
+          <a:effectRef idx="0">
+            <a:schemeClr val="accent6"/>
+          </a:effectRef>
+          <a:fontRef idx="minor">
+            <a:schemeClr val="tx1"/>
+          </a:fontRef>
+        </p:style>
+      </p:cxnSp>
+      <p:cxnSp>
+        <p:nvCxnSpPr>
+          <p:cNvPr id="40" name="Straight Arrow Connector 39"/>
+          <p:cNvCxnSpPr>
+            <a:stCxn id="14" idx="4"/>
+          </p:cNvCxnSpPr>
+          <p:nvPr/>
+        </p:nvCxnSpPr>
+        <p:spPr>
+          <a:xfrm flipH="1">
+            <a:off x="7828310" y="3031125"/>
+            <a:ext cx="1" cy="462802"/>
+          </a:xfrm>
+          <a:prstGeom prst="straightConnector1">
+            <a:avLst/>
+          </a:prstGeom>
+          <a:ln>
+            <a:solidFill>
+              <a:schemeClr val="tx2"/>
+            </a:solidFill>
+            <a:tailEnd type="triangle"/>
+          </a:ln>
+        </p:spPr>
+        <p:style>
+          <a:lnRef idx="1">
+            <a:schemeClr val="accent6"/>
+          </a:lnRef>
+          <a:fillRef idx="0">
+            <a:schemeClr val="accent6"/>
+          </a:fillRef>
+          <a:effectRef idx="0">
+            <a:schemeClr val="accent6"/>
+          </a:effectRef>
+          <a:fontRef idx="minor">
+            <a:schemeClr val="tx1"/>
+          </a:fontRef>
+        </p:style>
+      </p:cxnSp>
+      <p:cxnSp>
+        <p:nvCxnSpPr>
+          <p:cNvPr id="42" name="Straight Arrow Connector 41"/>
+          <p:cNvCxnSpPr/>
+          <p:nvPr/>
+        </p:nvCxnSpPr>
+        <p:spPr>
+          <a:xfrm>
+            <a:off x="6444208" y="2780928"/>
+            <a:ext cx="576064" cy="0"/>
+          </a:xfrm>
+          <a:prstGeom prst="straightConnector1">
+            <a:avLst/>
+          </a:prstGeom>
+          <a:ln>
+            <a:solidFill>
+              <a:schemeClr val="tx2"/>
+            </a:solidFill>
+            <a:tailEnd type="triangle"/>
+          </a:ln>
+        </p:spPr>
+        <p:style>
+          <a:lnRef idx="1">
+            <a:schemeClr val="accent6"/>
+          </a:lnRef>
+          <a:fillRef idx="0">
+            <a:schemeClr val="accent6"/>
+          </a:fillRef>
+          <a:effectRef idx="0">
+            <a:schemeClr val="accent6"/>
+          </a:effectRef>
+          <a:fontRef idx="minor">
+            <a:schemeClr val="tx1"/>
+          </a:fontRef>
+        </p:style>
+      </p:cxnSp>
+      <p:cxnSp>
+        <p:nvCxnSpPr>
+          <p:cNvPr id="44" name="Elbow Connector 43"/>
+          <p:cNvCxnSpPr>
+            <a:stCxn id="8" idx="3"/>
+          </p:cNvCxnSpPr>
+          <p:nvPr/>
+        </p:nvCxnSpPr>
+        <p:spPr>
+          <a:xfrm>
+            <a:off x="6412307" y="1712034"/>
+            <a:ext cx="319933" cy="1068894"/>
+          </a:xfrm>
+          <a:prstGeom prst="bentConnector2">
+            <a:avLst/>
+          </a:prstGeom>
+          <a:ln>
+            <a:solidFill>
+              <a:schemeClr val="tx2"/>
+            </a:solidFill>
+          </a:ln>
+        </p:spPr>
+        <p:style>
+          <a:lnRef idx="1">
+            <a:schemeClr val="accent6"/>
+          </a:lnRef>
+          <a:fillRef idx="0">
+            <a:schemeClr val="accent6"/>
+          </a:fillRef>
+          <a:effectRef idx="0">
+            <a:schemeClr val="accent6"/>
+          </a:effectRef>
+          <a:fontRef idx="minor">
+            <a:schemeClr val="tx1"/>
+          </a:fontRef>
+        </p:style>
+      </p:cxnSp>
+    </p:spTree>
+    <p:extLst>
+      <p:ext uri="{BB962C8B-B14F-4D97-AF65-F5344CB8AC3E}">
+        <p14:creationId xmlns:p14="http://schemas.microsoft.com/office/powerpoint/2010/main" val="3672839237"/>
+      </p:ext>
+    </p:extLst>
+  </p:cSld>
+  <p:clrMapOvr>
+    <a:masterClrMapping/>
+  </p:clrMapOvr>
+</p:sld>
+</file>
+
+<file path=ppt/slides/slide8.xml><?xml version="1.0" encoding="utf-8"?>
 <p:sld xmlns:a="http://schemas.openxmlformats.org/drawingml/2006/main" xmlns:r="http://schemas.openxmlformats.org/officeDocument/2006/relationships" xmlns:p="http://schemas.openxmlformats.org/presentationml/2006/main">
   <p:cSld>
     <p:spTree>
@@ -6437,21 +8646,6 @@
 </file>
 
 <file path=customXml/item1.xml><?xml version="1.0" encoding="utf-8"?>
-<?mso-contentType ?>
-<FormTemplates xmlns="http://schemas.microsoft.com/sharepoint/v3/contenttype/forms">
-  <Display>DocumentLibraryForm</Display>
-  <Edit>DocumentLibraryForm</Edit>
-  <New>DocumentLibraryForm</New>
-</FormTemplates>
-</file>
-
-<file path=customXml/item2.xml><?xml version="1.0" encoding="utf-8"?>
-<p:properties xmlns:p="http://schemas.microsoft.com/office/2006/metadata/properties" xmlns:xsi="http://www.w3.org/2001/XMLSchema-instance" xmlns:pc="http://schemas.microsoft.com/office/infopath/2007/PartnerControls">
-  <documentManagement/>
-</p:properties>
-</file>
-
-<file path=customXml/item3.xml><?xml version="1.0" encoding="utf-8"?>
 <ct:contentTypeSchema xmlns:ct="http://schemas.microsoft.com/office/2006/metadata/contentType" xmlns:ma="http://schemas.microsoft.com/office/2006/metadata/properties/metaAttributes" ct:_="" ma:_="" ma:contentTypeName="Document" ma:contentTypeID="0x010100166A670A8E974F46B99AA0555F6B17B1" ma:contentTypeVersion="0" ma:contentTypeDescription="Create a new document." ma:contentTypeScope="" ma:versionID="3ef76a5dcd748a9c393f864db0fc8430">
   <xsd:schema xmlns:xsd="http://www.w3.org/2001/XMLSchema" xmlns:xs="http://www.w3.org/2001/XMLSchema" xmlns:p="http://schemas.microsoft.com/office/2006/metadata/properties" targetNamespace="http://schemas.microsoft.com/office/2006/metadata/properties" ma:root="true" ma:fieldsID="d476e8e88a7ff487aa0f9596b7fbedd8">
     <xsd:element name="properties">
@@ -6565,10 +8759,33 @@
 </ct:contentTypeSchema>
 </file>
 
+<file path=customXml/item2.xml><?xml version="1.0" encoding="utf-8"?>
+<p:properties xmlns:p="http://schemas.microsoft.com/office/2006/metadata/properties" xmlns:xsi="http://www.w3.org/2001/XMLSchema-instance" xmlns:pc="http://schemas.microsoft.com/office/infopath/2007/PartnerControls">
+  <documentManagement/>
+</p:properties>
+</file>
+
+<file path=customXml/item3.xml><?xml version="1.0" encoding="utf-8"?>
+<?mso-contentType ?>
+<FormTemplates xmlns="http://schemas.microsoft.com/sharepoint/v3/contenttype/forms">
+  <Display>DocumentLibraryForm</Display>
+  <Edit>DocumentLibraryForm</Edit>
+  <New>DocumentLibraryForm</New>
+</FormTemplates>
+</file>
+
 <file path=customXml/itemProps1.xml><?xml version="1.0" encoding="utf-8"?>
-<ds:datastoreItem xmlns:ds="http://schemas.openxmlformats.org/officeDocument/2006/customXml" ds:itemID="{0B61D52E-66FF-4E6A-8412-8CE388C48F6E}">
+<ds:datastoreItem xmlns:ds="http://schemas.openxmlformats.org/officeDocument/2006/customXml" ds:itemID="{28B14462-C997-4D88-88EC-CC038FB2B9E4}">
   <ds:schemaRefs>
-    <ds:schemaRef ds:uri="http://schemas.microsoft.com/sharepoint/v3/contenttype/forms"/>
+    <ds:schemaRef ds:uri="http://schemas.microsoft.com/office/2006/metadata/contentType"/>
+    <ds:schemaRef ds:uri="http://schemas.microsoft.com/office/2006/metadata/properties/metaAttributes"/>
+    <ds:schemaRef ds:uri="http://www.w3.org/2001/XMLSchema"/>
+    <ds:schemaRef ds:uri="http://schemas.microsoft.com/office/2006/metadata/properties"/>
+    <ds:schemaRef ds:uri="http://schemas.openxmlformats.org/package/2006/metadata/core-properties"/>
+    <ds:schemaRef ds:uri="http://purl.org/dc/elements/1.1/"/>
+    <ds:schemaRef ds:uri="http://purl.org/dc/terms/"/>
+    <ds:schemaRef ds:uri="http://schemas.microsoft.com/internal/obd"/>
+    <ds:schemaRef ds:uri="http://schemas.microsoft.com/office/infopath/2007/PartnerControls"/>
   </ds:schemaRefs>
 </ds:datastoreItem>
 </file>
@@ -6589,17 +8806,9 @@
 </file>
 
 <file path=customXml/itemProps3.xml><?xml version="1.0" encoding="utf-8"?>
-<ds:datastoreItem xmlns:ds="http://schemas.openxmlformats.org/officeDocument/2006/customXml" ds:itemID="{28B14462-C997-4D88-88EC-CC038FB2B9E4}">
+<ds:datastoreItem xmlns:ds="http://schemas.openxmlformats.org/officeDocument/2006/customXml" ds:itemID="{0B61D52E-66FF-4E6A-8412-8CE388C48F6E}">
   <ds:schemaRefs>
-    <ds:schemaRef ds:uri="http://schemas.microsoft.com/office/2006/metadata/contentType"/>
-    <ds:schemaRef ds:uri="http://schemas.microsoft.com/office/2006/metadata/properties/metaAttributes"/>
-    <ds:schemaRef ds:uri="http://www.w3.org/2001/XMLSchema"/>
-    <ds:schemaRef ds:uri="http://schemas.microsoft.com/office/2006/metadata/properties"/>
-    <ds:schemaRef ds:uri="http://schemas.openxmlformats.org/package/2006/metadata/core-properties"/>
-    <ds:schemaRef ds:uri="http://purl.org/dc/elements/1.1/"/>
-    <ds:schemaRef ds:uri="http://purl.org/dc/terms/"/>
-    <ds:schemaRef ds:uri="http://schemas.microsoft.com/internal/obd"/>
-    <ds:schemaRef ds:uri="http://schemas.microsoft.com/office/infopath/2007/PartnerControls"/>
+    <ds:schemaRef ds:uri="http://schemas.microsoft.com/sharepoint/v3/contenttype/forms"/>
   </ds:schemaRefs>
 </ds:datastoreItem>
 </file>